--- a/HousingPrediction.pptx
+++ b/HousingPrediction.pptx
@@ -8,7 +8,7 @@
     <p:notesMasterId r:id="rId23"/>
   </p:notesMasterIdLst>
   <p:sldIdLst>
-    <p:sldId id="256" r:id="rId2"/>
+    <p:sldId id="277" r:id="rId2"/>
     <p:sldId id="257" r:id="rId3"/>
     <p:sldId id="258" r:id="rId4"/>
     <p:sldId id="259" r:id="rId5"/>
@@ -735,7 +735,7 @@
   <p:cSld>
     <p:spTree>
       <p:nvGrpSpPr>
-        <p:cNvPr id="1" name="Shape 55"/>
+        <p:cNvPr id="1" name="Shape 61"/>
         <p:cNvGrpSpPr/>
         <p:nvPr/>
       </p:nvGrpSpPr>
@@ -749,7 +749,7 @@
       </p:grpSpPr>
       <p:sp>
         <p:nvSpPr>
-          <p:cNvPr id="56" name="Google Shape;56;p:notes"/>
+          <p:cNvPr id="62" name="Google Shape;62;gddb1725197_0_0:notes"/>
           <p:cNvSpPr>
             <a:spLocks noGrp="1" noRot="1" noChangeAspect="1"/>
           </p:cNvSpPr>
@@ -760,7 +760,7 @@
         <p:spPr>
           <a:xfrm>
             <a:off x="406400" y="696913"/>
-            <a:ext cx="6197600" cy="3486150"/>
+            <a:ext cx="6199188" cy="3486150"/>
           </a:xfrm>
           <a:custGeom>
             <a:avLst/>
@@ -790,7 +790,7 @@
       </p:sp>
       <p:sp>
         <p:nvSpPr>
-          <p:cNvPr id="57" name="Google Shape;57;p:notes"/>
+          <p:cNvPr id="63" name="Google Shape;63;gddb1725197_0_0:notes"/>
           <p:cNvSpPr txBox="1">
             <a:spLocks noGrp="1"/>
           </p:cNvSpPr>
@@ -829,6 +829,1770 @@
 </file>
 
 <file path=ppt/notesSlides/notesSlide10.xml><?xml version="1.0" encoding="utf-8"?>
+<p:notes xmlns:a="http://schemas.openxmlformats.org/drawingml/2006/main" xmlns:r="http://schemas.openxmlformats.org/officeDocument/2006/relationships" xmlns:p="http://schemas.openxmlformats.org/presentationml/2006/main" showMasterSp="0" showMasterPhAnim="0">
+  <p:cSld>
+    <p:spTree>
+      <p:nvGrpSpPr>
+        <p:cNvPr id="1" name="Shape 121"/>
+        <p:cNvGrpSpPr/>
+        <p:nvPr/>
+      </p:nvGrpSpPr>
+      <p:grpSpPr>
+        <a:xfrm>
+          <a:off x="0" y="0"/>
+          <a:ext cx="0" cy="0"/>
+          <a:chOff x="0" y="0"/>
+          <a:chExt cx="0" cy="0"/>
+        </a:xfrm>
+      </p:grpSpPr>
+      <p:sp>
+        <p:nvSpPr>
+          <p:cNvPr id="122" name="Google Shape;122;ge09c851785_0_33:notes"/>
+          <p:cNvSpPr>
+            <a:spLocks noGrp="1" noRot="1" noChangeAspect="1"/>
+          </p:cNvSpPr>
+          <p:nvPr>
+            <p:ph type="sldImg" idx="2"/>
+          </p:nvPr>
+        </p:nvSpPr>
+        <p:spPr>
+          <a:xfrm>
+            <a:off x="406400" y="696913"/>
+            <a:ext cx="6199188" cy="3486150"/>
+          </a:xfrm>
+          <a:custGeom>
+            <a:avLst/>
+            <a:gdLst/>
+            <a:ahLst/>
+            <a:cxnLst/>
+            <a:rect l="l" t="t" r="r" b="b"/>
+            <a:pathLst>
+              <a:path w="120000" h="120000" extrusionOk="0">
+                <a:moveTo>
+                  <a:pt x="0" y="0"/>
+                </a:moveTo>
+                <a:lnTo>
+                  <a:pt x="120000" y="0"/>
+                </a:lnTo>
+                <a:lnTo>
+                  <a:pt x="120000" y="120000"/>
+                </a:lnTo>
+                <a:lnTo>
+                  <a:pt x="0" y="120000"/>
+                </a:lnTo>
+                <a:close/>
+              </a:path>
+            </a:pathLst>
+          </a:custGeom>
+        </p:spPr>
+      </p:sp>
+      <p:sp>
+        <p:nvSpPr>
+          <p:cNvPr id="123" name="Google Shape;123;ge09c851785_0_33:notes"/>
+          <p:cNvSpPr txBox="1">
+            <a:spLocks noGrp="1"/>
+          </p:cNvSpPr>
+          <p:nvPr>
+            <p:ph type="body" idx="1"/>
+          </p:nvPr>
+        </p:nvSpPr>
+        <p:spPr>
+          <a:xfrm>
+            <a:off x="701040" y="4415790"/>
+            <a:ext cx="5608320" cy="4183380"/>
+          </a:xfrm>
+          <a:prstGeom prst="rect">
+            <a:avLst/>
+          </a:prstGeom>
+        </p:spPr>
+        <p:txBody>
+          <a:bodyPr spcFirstLastPara="1" wrap="square" lIns="93162" tIns="93162" rIns="93162" bIns="93162" anchor="t" anchorCtr="0">
+            <a:noAutofit/>
+          </a:bodyPr>
+          <a:lstStyle/>
+          <a:p>
+            <a:pPr marL="0" indent="0">
+              <a:buNone/>
+            </a:pPr>
+            <a:endParaRPr/>
+          </a:p>
+        </p:txBody>
+      </p:sp>
+    </p:spTree>
+  </p:cSld>
+  <p:clrMapOvr>
+    <a:masterClrMapping/>
+  </p:clrMapOvr>
+</p:notes>
+</file>
+
+<file path=ppt/notesSlides/notesSlide11.xml><?xml version="1.0" encoding="utf-8"?>
+<p:notes xmlns:a="http://schemas.openxmlformats.org/drawingml/2006/main" xmlns:r="http://schemas.openxmlformats.org/officeDocument/2006/relationships" xmlns:p="http://schemas.openxmlformats.org/presentationml/2006/main" showMasterSp="0" showMasterPhAnim="0">
+  <p:cSld>
+    <p:spTree>
+      <p:nvGrpSpPr>
+        <p:cNvPr id="1" name="Shape 128"/>
+        <p:cNvGrpSpPr/>
+        <p:nvPr/>
+      </p:nvGrpSpPr>
+      <p:grpSpPr>
+        <a:xfrm>
+          <a:off x="0" y="0"/>
+          <a:ext cx="0" cy="0"/>
+          <a:chOff x="0" y="0"/>
+          <a:chExt cx="0" cy="0"/>
+        </a:xfrm>
+      </p:grpSpPr>
+      <p:sp>
+        <p:nvSpPr>
+          <p:cNvPr id="129" name="Google Shape;129;ge09c851785_0_38:notes"/>
+          <p:cNvSpPr>
+            <a:spLocks noGrp="1" noRot="1" noChangeAspect="1"/>
+          </p:cNvSpPr>
+          <p:nvPr>
+            <p:ph type="sldImg" idx="2"/>
+          </p:nvPr>
+        </p:nvSpPr>
+        <p:spPr>
+          <a:xfrm>
+            <a:off x="406400" y="696913"/>
+            <a:ext cx="6199188" cy="3486150"/>
+          </a:xfrm>
+          <a:custGeom>
+            <a:avLst/>
+            <a:gdLst/>
+            <a:ahLst/>
+            <a:cxnLst/>
+            <a:rect l="l" t="t" r="r" b="b"/>
+            <a:pathLst>
+              <a:path w="120000" h="120000" extrusionOk="0">
+                <a:moveTo>
+                  <a:pt x="0" y="0"/>
+                </a:moveTo>
+                <a:lnTo>
+                  <a:pt x="120000" y="0"/>
+                </a:lnTo>
+                <a:lnTo>
+                  <a:pt x="120000" y="120000"/>
+                </a:lnTo>
+                <a:lnTo>
+                  <a:pt x="0" y="120000"/>
+                </a:lnTo>
+                <a:close/>
+              </a:path>
+            </a:pathLst>
+          </a:custGeom>
+        </p:spPr>
+      </p:sp>
+      <p:sp>
+        <p:nvSpPr>
+          <p:cNvPr id="130" name="Google Shape;130;ge09c851785_0_38:notes"/>
+          <p:cNvSpPr txBox="1">
+            <a:spLocks noGrp="1"/>
+          </p:cNvSpPr>
+          <p:nvPr>
+            <p:ph type="body" idx="1"/>
+          </p:nvPr>
+        </p:nvSpPr>
+        <p:spPr>
+          <a:xfrm>
+            <a:off x="701040" y="4415790"/>
+            <a:ext cx="5608320" cy="4183380"/>
+          </a:xfrm>
+          <a:prstGeom prst="rect">
+            <a:avLst/>
+          </a:prstGeom>
+        </p:spPr>
+        <p:txBody>
+          <a:bodyPr spcFirstLastPara="1" wrap="square" lIns="93162" tIns="93162" rIns="93162" bIns="93162" anchor="t" anchorCtr="0">
+            <a:noAutofit/>
+          </a:bodyPr>
+          <a:lstStyle/>
+          <a:p>
+            <a:pPr marL="0" indent="0">
+              <a:buNone/>
+            </a:pPr>
+            <a:endParaRPr/>
+          </a:p>
+        </p:txBody>
+      </p:sp>
+    </p:spTree>
+  </p:cSld>
+  <p:clrMapOvr>
+    <a:masterClrMapping/>
+  </p:clrMapOvr>
+</p:notes>
+</file>
+
+<file path=ppt/notesSlides/notesSlide12.xml><?xml version="1.0" encoding="utf-8"?>
+<p:notes xmlns:a="http://schemas.openxmlformats.org/drawingml/2006/main" xmlns:r="http://schemas.openxmlformats.org/officeDocument/2006/relationships" xmlns:p="http://schemas.openxmlformats.org/presentationml/2006/main" showMasterSp="0" showMasterPhAnim="0">
+  <p:cSld>
+    <p:spTree>
+      <p:nvGrpSpPr>
+        <p:cNvPr id="1" name="Shape 136"/>
+        <p:cNvGrpSpPr/>
+        <p:nvPr/>
+      </p:nvGrpSpPr>
+      <p:grpSpPr>
+        <a:xfrm>
+          <a:off x="0" y="0"/>
+          <a:ext cx="0" cy="0"/>
+          <a:chOff x="0" y="0"/>
+          <a:chExt cx="0" cy="0"/>
+        </a:xfrm>
+      </p:grpSpPr>
+      <p:sp>
+        <p:nvSpPr>
+          <p:cNvPr id="137" name="Google Shape;137;ge09c851785_0_43:notes"/>
+          <p:cNvSpPr>
+            <a:spLocks noGrp="1" noRot="1" noChangeAspect="1"/>
+          </p:cNvSpPr>
+          <p:nvPr>
+            <p:ph type="sldImg" idx="2"/>
+          </p:nvPr>
+        </p:nvSpPr>
+        <p:spPr>
+          <a:xfrm>
+            <a:off x="406400" y="696913"/>
+            <a:ext cx="6199188" cy="3486150"/>
+          </a:xfrm>
+          <a:custGeom>
+            <a:avLst/>
+            <a:gdLst/>
+            <a:ahLst/>
+            <a:cxnLst/>
+            <a:rect l="l" t="t" r="r" b="b"/>
+            <a:pathLst>
+              <a:path w="120000" h="120000" extrusionOk="0">
+                <a:moveTo>
+                  <a:pt x="0" y="0"/>
+                </a:moveTo>
+                <a:lnTo>
+                  <a:pt x="120000" y="0"/>
+                </a:lnTo>
+                <a:lnTo>
+                  <a:pt x="120000" y="120000"/>
+                </a:lnTo>
+                <a:lnTo>
+                  <a:pt x="0" y="120000"/>
+                </a:lnTo>
+                <a:close/>
+              </a:path>
+            </a:pathLst>
+          </a:custGeom>
+        </p:spPr>
+      </p:sp>
+      <p:sp>
+        <p:nvSpPr>
+          <p:cNvPr id="138" name="Google Shape;138;ge09c851785_0_43:notes"/>
+          <p:cNvSpPr txBox="1">
+            <a:spLocks noGrp="1"/>
+          </p:cNvSpPr>
+          <p:nvPr>
+            <p:ph type="body" idx="1"/>
+          </p:nvPr>
+        </p:nvSpPr>
+        <p:spPr>
+          <a:xfrm>
+            <a:off x="701040" y="4415790"/>
+            <a:ext cx="5608320" cy="4183380"/>
+          </a:xfrm>
+          <a:prstGeom prst="rect">
+            <a:avLst/>
+          </a:prstGeom>
+        </p:spPr>
+        <p:txBody>
+          <a:bodyPr spcFirstLastPara="1" wrap="square" lIns="93162" tIns="93162" rIns="93162" bIns="93162" anchor="t" anchorCtr="0">
+            <a:noAutofit/>
+          </a:bodyPr>
+          <a:lstStyle/>
+          <a:p>
+            <a:pPr marL="0" indent="0">
+              <a:buNone/>
+            </a:pPr>
+            <a:endParaRPr/>
+          </a:p>
+        </p:txBody>
+      </p:sp>
+    </p:spTree>
+  </p:cSld>
+  <p:clrMapOvr>
+    <a:masterClrMapping/>
+  </p:clrMapOvr>
+</p:notes>
+</file>
+
+<file path=ppt/notesSlides/notesSlide13.xml><?xml version="1.0" encoding="utf-8"?>
+<p:notes xmlns:a="http://schemas.openxmlformats.org/drawingml/2006/main" xmlns:r="http://schemas.openxmlformats.org/officeDocument/2006/relationships" xmlns:p="http://schemas.openxmlformats.org/presentationml/2006/main" showMasterSp="0" showMasterPhAnim="0">
+  <p:cSld>
+    <p:spTree>
+      <p:nvGrpSpPr>
+        <p:cNvPr id="1" name="Shape 142"/>
+        <p:cNvGrpSpPr/>
+        <p:nvPr/>
+      </p:nvGrpSpPr>
+      <p:grpSpPr>
+        <a:xfrm>
+          <a:off x="0" y="0"/>
+          <a:ext cx="0" cy="0"/>
+          <a:chOff x="0" y="0"/>
+          <a:chExt cx="0" cy="0"/>
+        </a:xfrm>
+      </p:grpSpPr>
+      <p:sp>
+        <p:nvSpPr>
+          <p:cNvPr id="143" name="Google Shape;143;gddd1a6640f_0_0:notes"/>
+          <p:cNvSpPr>
+            <a:spLocks noGrp="1" noRot="1" noChangeAspect="1"/>
+          </p:cNvSpPr>
+          <p:nvPr>
+            <p:ph type="sldImg" idx="2"/>
+          </p:nvPr>
+        </p:nvSpPr>
+        <p:spPr>
+          <a:xfrm>
+            <a:off x="406400" y="696913"/>
+            <a:ext cx="6199188" cy="3486150"/>
+          </a:xfrm>
+          <a:custGeom>
+            <a:avLst/>
+            <a:gdLst/>
+            <a:ahLst/>
+            <a:cxnLst/>
+            <a:rect l="l" t="t" r="r" b="b"/>
+            <a:pathLst>
+              <a:path w="120000" h="120000" extrusionOk="0">
+                <a:moveTo>
+                  <a:pt x="0" y="0"/>
+                </a:moveTo>
+                <a:lnTo>
+                  <a:pt x="120000" y="0"/>
+                </a:lnTo>
+                <a:lnTo>
+                  <a:pt x="120000" y="120000"/>
+                </a:lnTo>
+                <a:lnTo>
+                  <a:pt x="0" y="120000"/>
+                </a:lnTo>
+                <a:close/>
+              </a:path>
+            </a:pathLst>
+          </a:custGeom>
+        </p:spPr>
+      </p:sp>
+      <p:sp>
+        <p:nvSpPr>
+          <p:cNvPr id="144" name="Google Shape;144;gddd1a6640f_0_0:notes"/>
+          <p:cNvSpPr txBox="1">
+            <a:spLocks noGrp="1"/>
+          </p:cNvSpPr>
+          <p:nvPr>
+            <p:ph type="body" idx="1"/>
+          </p:nvPr>
+        </p:nvSpPr>
+        <p:spPr>
+          <a:xfrm>
+            <a:off x="701040" y="4415790"/>
+            <a:ext cx="5608320" cy="4183380"/>
+          </a:xfrm>
+          <a:prstGeom prst="rect">
+            <a:avLst/>
+          </a:prstGeom>
+        </p:spPr>
+        <p:txBody>
+          <a:bodyPr spcFirstLastPara="1" wrap="square" lIns="93162" tIns="93162" rIns="93162" bIns="93162" anchor="t" anchorCtr="0">
+            <a:noAutofit/>
+          </a:bodyPr>
+          <a:lstStyle/>
+          <a:p>
+            <a:pPr marL="0" indent="0">
+              <a:buNone/>
+            </a:pPr>
+            <a:endParaRPr/>
+          </a:p>
+        </p:txBody>
+      </p:sp>
+    </p:spTree>
+  </p:cSld>
+  <p:clrMapOvr>
+    <a:masterClrMapping/>
+  </p:clrMapOvr>
+</p:notes>
+</file>
+
+<file path=ppt/notesSlides/notesSlide14.xml><?xml version="1.0" encoding="utf-8"?>
+<p:notes xmlns:a="http://schemas.openxmlformats.org/drawingml/2006/main" xmlns:r="http://schemas.openxmlformats.org/officeDocument/2006/relationships" xmlns:p="http://schemas.openxmlformats.org/presentationml/2006/main" showMasterSp="0" showMasterPhAnim="0">
+  <p:cSld>
+    <p:spTree>
+      <p:nvGrpSpPr>
+        <p:cNvPr id="1" name="Shape 148"/>
+        <p:cNvGrpSpPr/>
+        <p:nvPr/>
+      </p:nvGrpSpPr>
+      <p:grpSpPr>
+        <a:xfrm>
+          <a:off x="0" y="0"/>
+          <a:ext cx="0" cy="0"/>
+          <a:chOff x="0" y="0"/>
+          <a:chExt cx="0" cy="0"/>
+        </a:xfrm>
+      </p:grpSpPr>
+      <p:sp>
+        <p:nvSpPr>
+          <p:cNvPr id="149" name="Google Shape;149;gddd1a6640f_0_5:notes"/>
+          <p:cNvSpPr>
+            <a:spLocks noGrp="1" noRot="1" noChangeAspect="1"/>
+          </p:cNvSpPr>
+          <p:nvPr>
+            <p:ph type="sldImg" idx="2"/>
+          </p:nvPr>
+        </p:nvSpPr>
+        <p:spPr>
+          <a:xfrm>
+            <a:off x="406400" y="696913"/>
+            <a:ext cx="6199188" cy="3486150"/>
+          </a:xfrm>
+          <a:custGeom>
+            <a:avLst/>
+            <a:gdLst/>
+            <a:ahLst/>
+            <a:cxnLst/>
+            <a:rect l="l" t="t" r="r" b="b"/>
+            <a:pathLst>
+              <a:path w="120000" h="120000" extrusionOk="0">
+                <a:moveTo>
+                  <a:pt x="0" y="0"/>
+                </a:moveTo>
+                <a:lnTo>
+                  <a:pt x="120000" y="0"/>
+                </a:lnTo>
+                <a:lnTo>
+                  <a:pt x="120000" y="120000"/>
+                </a:lnTo>
+                <a:lnTo>
+                  <a:pt x="0" y="120000"/>
+                </a:lnTo>
+                <a:close/>
+              </a:path>
+            </a:pathLst>
+          </a:custGeom>
+        </p:spPr>
+      </p:sp>
+      <p:sp>
+        <p:nvSpPr>
+          <p:cNvPr id="150" name="Google Shape;150;gddd1a6640f_0_5:notes"/>
+          <p:cNvSpPr txBox="1">
+            <a:spLocks noGrp="1"/>
+          </p:cNvSpPr>
+          <p:nvPr>
+            <p:ph type="body" idx="1"/>
+          </p:nvPr>
+        </p:nvSpPr>
+        <p:spPr>
+          <a:xfrm>
+            <a:off x="701040" y="4415790"/>
+            <a:ext cx="5608320" cy="4183380"/>
+          </a:xfrm>
+          <a:prstGeom prst="rect">
+            <a:avLst/>
+          </a:prstGeom>
+        </p:spPr>
+        <p:txBody>
+          <a:bodyPr spcFirstLastPara="1" wrap="square" lIns="93162" tIns="93162" rIns="93162" bIns="93162" anchor="t" anchorCtr="0">
+            <a:noAutofit/>
+          </a:bodyPr>
+          <a:lstStyle/>
+          <a:p>
+            <a:pPr marL="0" indent="0">
+              <a:buNone/>
+            </a:pPr>
+            <a:endParaRPr/>
+          </a:p>
+        </p:txBody>
+      </p:sp>
+    </p:spTree>
+  </p:cSld>
+  <p:clrMapOvr>
+    <a:masterClrMapping/>
+  </p:clrMapOvr>
+</p:notes>
+</file>
+
+<file path=ppt/notesSlides/notesSlide15.xml><?xml version="1.0" encoding="utf-8"?>
+<p:notes xmlns:a="http://schemas.openxmlformats.org/drawingml/2006/main" xmlns:r="http://schemas.openxmlformats.org/officeDocument/2006/relationships" xmlns:p="http://schemas.openxmlformats.org/presentationml/2006/main" showMasterSp="0" showMasterPhAnim="0">
+  <p:cSld>
+    <p:spTree>
+      <p:nvGrpSpPr>
+        <p:cNvPr id="1" name="Shape 154"/>
+        <p:cNvGrpSpPr/>
+        <p:nvPr/>
+      </p:nvGrpSpPr>
+      <p:grpSpPr>
+        <a:xfrm>
+          <a:off x="0" y="0"/>
+          <a:ext cx="0" cy="0"/>
+          <a:chOff x="0" y="0"/>
+          <a:chExt cx="0" cy="0"/>
+        </a:xfrm>
+      </p:grpSpPr>
+      <p:sp>
+        <p:nvSpPr>
+          <p:cNvPr id="155" name="Google Shape;155;gddd1a6640f_0_10:notes"/>
+          <p:cNvSpPr>
+            <a:spLocks noGrp="1" noRot="1" noChangeAspect="1"/>
+          </p:cNvSpPr>
+          <p:nvPr>
+            <p:ph type="sldImg" idx="2"/>
+          </p:nvPr>
+        </p:nvSpPr>
+        <p:spPr>
+          <a:xfrm>
+            <a:off x="406400" y="696913"/>
+            <a:ext cx="6199188" cy="3486150"/>
+          </a:xfrm>
+          <a:custGeom>
+            <a:avLst/>
+            <a:gdLst/>
+            <a:ahLst/>
+            <a:cxnLst/>
+            <a:rect l="l" t="t" r="r" b="b"/>
+            <a:pathLst>
+              <a:path w="120000" h="120000" extrusionOk="0">
+                <a:moveTo>
+                  <a:pt x="0" y="0"/>
+                </a:moveTo>
+                <a:lnTo>
+                  <a:pt x="120000" y="0"/>
+                </a:lnTo>
+                <a:lnTo>
+                  <a:pt x="120000" y="120000"/>
+                </a:lnTo>
+                <a:lnTo>
+                  <a:pt x="0" y="120000"/>
+                </a:lnTo>
+                <a:close/>
+              </a:path>
+            </a:pathLst>
+          </a:custGeom>
+        </p:spPr>
+      </p:sp>
+      <p:sp>
+        <p:nvSpPr>
+          <p:cNvPr id="156" name="Google Shape;156;gddd1a6640f_0_10:notes"/>
+          <p:cNvSpPr txBox="1">
+            <a:spLocks noGrp="1"/>
+          </p:cNvSpPr>
+          <p:nvPr>
+            <p:ph type="body" idx="1"/>
+          </p:nvPr>
+        </p:nvSpPr>
+        <p:spPr>
+          <a:xfrm>
+            <a:off x="701040" y="4415790"/>
+            <a:ext cx="5608320" cy="4183380"/>
+          </a:xfrm>
+          <a:prstGeom prst="rect">
+            <a:avLst/>
+          </a:prstGeom>
+        </p:spPr>
+        <p:txBody>
+          <a:bodyPr spcFirstLastPara="1" wrap="square" lIns="93162" tIns="93162" rIns="93162" bIns="93162" anchor="t" anchorCtr="0">
+            <a:noAutofit/>
+          </a:bodyPr>
+          <a:lstStyle/>
+          <a:p>
+            <a:pPr marL="0" indent="0">
+              <a:buNone/>
+            </a:pPr>
+            <a:endParaRPr/>
+          </a:p>
+        </p:txBody>
+      </p:sp>
+    </p:spTree>
+  </p:cSld>
+  <p:clrMapOvr>
+    <a:masterClrMapping/>
+  </p:clrMapOvr>
+</p:notes>
+</file>
+
+<file path=ppt/notesSlides/notesSlide16.xml><?xml version="1.0" encoding="utf-8"?>
+<p:notes xmlns:a="http://schemas.openxmlformats.org/drawingml/2006/main" xmlns:r="http://schemas.openxmlformats.org/officeDocument/2006/relationships" xmlns:p="http://schemas.openxmlformats.org/presentationml/2006/main" showMasterSp="0" showMasterPhAnim="0">
+  <p:cSld>
+    <p:spTree>
+      <p:nvGrpSpPr>
+        <p:cNvPr id="1" name="Shape 161"/>
+        <p:cNvGrpSpPr/>
+        <p:nvPr/>
+      </p:nvGrpSpPr>
+      <p:grpSpPr>
+        <a:xfrm>
+          <a:off x="0" y="0"/>
+          <a:ext cx="0" cy="0"/>
+          <a:chOff x="0" y="0"/>
+          <a:chExt cx="0" cy="0"/>
+        </a:xfrm>
+      </p:grpSpPr>
+      <p:sp>
+        <p:nvSpPr>
+          <p:cNvPr id="162" name="Google Shape;162;ge09c851785_0_48:notes"/>
+          <p:cNvSpPr>
+            <a:spLocks noGrp="1" noRot="1" noChangeAspect="1"/>
+          </p:cNvSpPr>
+          <p:nvPr>
+            <p:ph type="sldImg" idx="2"/>
+          </p:nvPr>
+        </p:nvSpPr>
+        <p:spPr>
+          <a:xfrm>
+            <a:off x="406400" y="696913"/>
+            <a:ext cx="6199188" cy="3486150"/>
+          </a:xfrm>
+          <a:custGeom>
+            <a:avLst/>
+            <a:gdLst/>
+            <a:ahLst/>
+            <a:cxnLst/>
+            <a:rect l="l" t="t" r="r" b="b"/>
+            <a:pathLst>
+              <a:path w="120000" h="120000" extrusionOk="0">
+                <a:moveTo>
+                  <a:pt x="0" y="0"/>
+                </a:moveTo>
+                <a:lnTo>
+                  <a:pt x="120000" y="0"/>
+                </a:lnTo>
+                <a:lnTo>
+                  <a:pt x="120000" y="120000"/>
+                </a:lnTo>
+                <a:lnTo>
+                  <a:pt x="0" y="120000"/>
+                </a:lnTo>
+                <a:close/>
+              </a:path>
+            </a:pathLst>
+          </a:custGeom>
+        </p:spPr>
+      </p:sp>
+      <p:sp>
+        <p:nvSpPr>
+          <p:cNvPr id="163" name="Google Shape;163;ge09c851785_0_48:notes"/>
+          <p:cNvSpPr txBox="1">
+            <a:spLocks noGrp="1"/>
+          </p:cNvSpPr>
+          <p:nvPr>
+            <p:ph type="body" idx="1"/>
+          </p:nvPr>
+        </p:nvSpPr>
+        <p:spPr>
+          <a:xfrm>
+            <a:off x="701040" y="4415790"/>
+            <a:ext cx="5608320" cy="4183380"/>
+          </a:xfrm>
+          <a:prstGeom prst="rect">
+            <a:avLst/>
+          </a:prstGeom>
+        </p:spPr>
+        <p:txBody>
+          <a:bodyPr spcFirstLastPara="1" wrap="square" lIns="93162" tIns="93162" rIns="93162" bIns="93162" anchor="t" anchorCtr="0">
+            <a:noAutofit/>
+          </a:bodyPr>
+          <a:lstStyle/>
+          <a:p>
+            <a:pPr marL="0" indent="0">
+              <a:buNone/>
+            </a:pPr>
+            <a:endParaRPr/>
+          </a:p>
+        </p:txBody>
+      </p:sp>
+    </p:spTree>
+  </p:cSld>
+  <p:clrMapOvr>
+    <a:masterClrMapping/>
+  </p:clrMapOvr>
+</p:notes>
+</file>
+
+<file path=ppt/notesSlides/notesSlide17.xml><?xml version="1.0" encoding="utf-8"?>
+<p:notes xmlns:a="http://schemas.openxmlformats.org/drawingml/2006/main" xmlns:r="http://schemas.openxmlformats.org/officeDocument/2006/relationships" xmlns:p="http://schemas.openxmlformats.org/presentationml/2006/main" showMasterSp="0" showMasterPhAnim="0">
+  <p:cSld>
+    <p:spTree>
+      <p:nvGrpSpPr>
+        <p:cNvPr id="1" name="Shape 168"/>
+        <p:cNvGrpSpPr/>
+        <p:nvPr/>
+      </p:nvGrpSpPr>
+      <p:grpSpPr>
+        <a:xfrm>
+          <a:off x="0" y="0"/>
+          <a:ext cx="0" cy="0"/>
+          <a:chOff x="0" y="0"/>
+          <a:chExt cx="0" cy="0"/>
+        </a:xfrm>
+      </p:grpSpPr>
+      <p:sp>
+        <p:nvSpPr>
+          <p:cNvPr id="169" name="Google Shape;169;gddd1a6640f_0_31:notes"/>
+          <p:cNvSpPr>
+            <a:spLocks noGrp="1" noRot="1" noChangeAspect="1"/>
+          </p:cNvSpPr>
+          <p:nvPr>
+            <p:ph type="sldImg" idx="2"/>
+          </p:nvPr>
+        </p:nvSpPr>
+        <p:spPr>
+          <a:xfrm>
+            <a:off x="406400" y="696913"/>
+            <a:ext cx="6199188" cy="3486150"/>
+          </a:xfrm>
+          <a:custGeom>
+            <a:avLst/>
+            <a:gdLst/>
+            <a:ahLst/>
+            <a:cxnLst/>
+            <a:rect l="l" t="t" r="r" b="b"/>
+            <a:pathLst>
+              <a:path w="120000" h="120000" extrusionOk="0">
+                <a:moveTo>
+                  <a:pt x="0" y="0"/>
+                </a:moveTo>
+                <a:lnTo>
+                  <a:pt x="120000" y="0"/>
+                </a:lnTo>
+                <a:lnTo>
+                  <a:pt x="120000" y="120000"/>
+                </a:lnTo>
+                <a:lnTo>
+                  <a:pt x="0" y="120000"/>
+                </a:lnTo>
+                <a:close/>
+              </a:path>
+            </a:pathLst>
+          </a:custGeom>
+        </p:spPr>
+      </p:sp>
+      <p:sp>
+        <p:nvSpPr>
+          <p:cNvPr id="170" name="Google Shape;170;gddd1a6640f_0_31:notes"/>
+          <p:cNvSpPr txBox="1">
+            <a:spLocks noGrp="1"/>
+          </p:cNvSpPr>
+          <p:nvPr>
+            <p:ph type="body" idx="1"/>
+          </p:nvPr>
+        </p:nvSpPr>
+        <p:spPr>
+          <a:xfrm>
+            <a:off x="701040" y="4415790"/>
+            <a:ext cx="5608320" cy="4183380"/>
+          </a:xfrm>
+          <a:prstGeom prst="rect">
+            <a:avLst/>
+          </a:prstGeom>
+        </p:spPr>
+        <p:txBody>
+          <a:bodyPr spcFirstLastPara="1" wrap="square" lIns="93162" tIns="93162" rIns="93162" bIns="93162" anchor="t" anchorCtr="0">
+            <a:noAutofit/>
+          </a:bodyPr>
+          <a:lstStyle/>
+          <a:p>
+            <a:pPr marL="0" indent="0">
+              <a:buNone/>
+            </a:pPr>
+            <a:endParaRPr/>
+          </a:p>
+        </p:txBody>
+      </p:sp>
+    </p:spTree>
+  </p:cSld>
+  <p:clrMapOvr>
+    <a:masterClrMapping/>
+  </p:clrMapOvr>
+</p:notes>
+</file>
+
+<file path=ppt/notesSlides/notesSlide18.xml><?xml version="1.0" encoding="utf-8"?>
+<p:notes xmlns:a="http://schemas.openxmlformats.org/drawingml/2006/main" xmlns:r="http://schemas.openxmlformats.org/officeDocument/2006/relationships" xmlns:p="http://schemas.openxmlformats.org/presentationml/2006/main" showMasterSp="0" showMasterPhAnim="0">
+  <p:cSld>
+    <p:spTree>
+      <p:nvGrpSpPr>
+        <p:cNvPr id="1" name="Shape 174"/>
+        <p:cNvGrpSpPr/>
+        <p:nvPr/>
+      </p:nvGrpSpPr>
+      <p:grpSpPr>
+        <a:xfrm>
+          <a:off x="0" y="0"/>
+          <a:ext cx="0" cy="0"/>
+          <a:chOff x="0" y="0"/>
+          <a:chExt cx="0" cy="0"/>
+        </a:xfrm>
+      </p:grpSpPr>
+      <p:sp>
+        <p:nvSpPr>
+          <p:cNvPr id="175" name="Google Shape;175;gddd1a6640f_0_36:notes"/>
+          <p:cNvSpPr>
+            <a:spLocks noGrp="1" noRot="1" noChangeAspect="1"/>
+          </p:cNvSpPr>
+          <p:nvPr>
+            <p:ph type="sldImg" idx="2"/>
+          </p:nvPr>
+        </p:nvSpPr>
+        <p:spPr>
+          <a:xfrm>
+            <a:off x="406400" y="696913"/>
+            <a:ext cx="6199188" cy="3486150"/>
+          </a:xfrm>
+          <a:custGeom>
+            <a:avLst/>
+            <a:gdLst/>
+            <a:ahLst/>
+            <a:cxnLst/>
+            <a:rect l="l" t="t" r="r" b="b"/>
+            <a:pathLst>
+              <a:path w="120000" h="120000" extrusionOk="0">
+                <a:moveTo>
+                  <a:pt x="0" y="0"/>
+                </a:moveTo>
+                <a:lnTo>
+                  <a:pt x="120000" y="0"/>
+                </a:lnTo>
+                <a:lnTo>
+                  <a:pt x="120000" y="120000"/>
+                </a:lnTo>
+                <a:lnTo>
+                  <a:pt x="0" y="120000"/>
+                </a:lnTo>
+                <a:close/>
+              </a:path>
+            </a:pathLst>
+          </a:custGeom>
+        </p:spPr>
+      </p:sp>
+      <p:sp>
+        <p:nvSpPr>
+          <p:cNvPr id="176" name="Google Shape;176;gddd1a6640f_0_36:notes"/>
+          <p:cNvSpPr txBox="1">
+            <a:spLocks noGrp="1"/>
+          </p:cNvSpPr>
+          <p:nvPr>
+            <p:ph type="body" idx="1"/>
+          </p:nvPr>
+        </p:nvSpPr>
+        <p:spPr>
+          <a:xfrm>
+            <a:off x="701040" y="4415790"/>
+            <a:ext cx="5608320" cy="4183380"/>
+          </a:xfrm>
+          <a:prstGeom prst="rect">
+            <a:avLst/>
+          </a:prstGeom>
+        </p:spPr>
+        <p:txBody>
+          <a:bodyPr spcFirstLastPara="1" wrap="square" lIns="93162" tIns="93162" rIns="93162" bIns="93162" anchor="t" anchorCtr="0">
+            <a:noAutofit/>
+          </a:bodyPr>
+          <a:lstStyle/>
+          <a:p>
+            <a:pPr marL="0" indent="0">
+              <a:buNone/>
+            </a:pPr>
+            <a:endParaRPr/>
+          </a:p>
+        </p:txBody>
+      </p:sp>
+    </p:spTree>
+  </p:cSld>
+  <p:clrMapOvr>
+    <a:masterClrMapping/>
+  </p:clrMapOvr>
+</p:notes>
+</file>
+
+<file path=ppt/notesSlides/notesSlide19.xml><?xml version="1.0" encoding="utf-8"?>
+<p:notes xmlns:a="http://schemas.openxmlformats.org/drawingml/2006/main" xmlns:r="http://schemas.openxmlformats.org/officeDocument/2006/relationships" xmlns:p="http://schemas.openxmlformats.org/presentationml/2006/main" showMasterSp="0" showMasterPhAnim="0">
+  <p:cSld>
+    <p:spTree>
+      <p:nvGrpSpPr>
+        <p:cNvPr id="1" name="Shape 180"/>
+        <p:cNvGrpSpPr/>
+        <p:nvPr/>
+      </p:nvGrpSpPr>
+      <p:grpSpPr>
+        <a:xfrm>
+          <a:off x="0" y="0"/>
+          <a:ext cx="0" cy="0"/>
+          <a:chOff x="0" y="0"/>
+          <a:chExt cx="0" cy="0"/>
+        </a:xfrm>
+      </p:grpSpPr>
+      <p:sp>
+        <p:nvSpPr>
+          <p:cNvPr id="181" name="Google Shape;181;gddd1a6640f_0_41:notes"/>
+          <p:cNvSpPr>
+            <a:spLocks noGrp="1" noRot="1" noChangeAspect="1"/>
+          </p:cNvSpPr>
+          <p:nvPr>
+            <p:ph type="sldImg" idx="2"/>
+          </p:nvPr>
+        </p:nvSpPr>
+        <p:spPr>
+          <a:xfrm>
+            <a:off x="406400" y="696913"/>
+            <a:ext cx="6199188" cy="3486150"/>
+          </a:xfrm>
+          <a:custGeom>
+            <a:avLst/>
+            <a:gdLst/>
+            <a:ahLst/>
+            <a:cxnLst/>
+            <a:rect l="l" t="t" r="r" b="b"/>
+            <a:pathLst>
+              <a:path w="120000" h="120000" extrusionOk="0">
+                <a:moveTo>
+                  <a:pt x="0" y="0"/>
+                </a:moveTo>
+                <a:lnTo>
+                  <a:pt x="120000" y="0"/>
+                </a:lnTo>
+                <a:lnTo>
+                  <a:pt x="120000" y="120000"/>
+                </a:lnTo>
+                <a:lnTo>
+                  <a:pt x="0" y="120000"/>
+                </a:lnTo>
+                <a:close/>
+              </a:path>
+            </a:pathLst>
+          </a:custGeom>
+        </p:spPr>
+      </p:sp>
+      <p:sp>
+        <p:nvSpPr>
+          <p:cNvPr id="182" name="Google Shape;182;gddd1a6640f_0_41:notes"/>
+          <p:cNvSpPr txBox="1">
+            <a:spLocks noGrp="1"/>
+          </p:cNvSpPr>
+          <p:nvPr>
+            <p:ph type="body" idx="1"/>
+          </p:nvPr>
+        </p:nvSpPr>
+        <p:spPr>
+          <a:xfrm>
+            <a:off x="701040" y="4415790"/>
+            <a:ext cx="5608320" cy="4183380"/>
+          </a:xfrm>
+          <a:prstGeom prst="rect">
+            <a:avLst/>
+          </a:prstGeom>
+        </p:spPr>
+        <p:txBody>
+          <a:bodyPr spcFirstLastPara="1" wrap="square" lIns="93162" tIns="93162" rIns="93162" bIns="93162" anchor="t" anchorCtr="0">
+            <a:noAutofit/>
+          </a:bodyPr>
+          <a:lstStyle/>
+          <a:p>
+            <a:pPr marL="0" indent="0">
+              <a:buNone/>
+            </a:pPr>
+            <a:endParaRPr/>
+          </a:p>
+        </p:txBody>
+      </p:sp>
+    </p:spTree>
+  </p:cSld>
+  <p:clrMapOvr>
+    <a:masterClrMapping/>
+  </p:clrMapOvr>
+</p:notes>
+</file>
+
+<file path=ppt/notesSlides/notesSlide2.xml><?xml version="1.0" encoding="utf-8"?>
+<p:notes xmlns:a="http://schemas.openxmlformats.org/drawingml/2006/main" xmlns:r="http://schemas.openxmlformats.org/officeDocument/2006/relationships" xmlns:p="http://schemas.openxmlformats.org/presentationml/2006/main" showMasterSp="0" showMasterPhAnim="0">
+  <p:cSld>
+    <p:spTree>
+      <p:nvGrpSpPr>
+        <p:cNvPr id="1" name="Shape 67"/>
+        <p:cNvGrpSpPr/>
+        <p:nvPr/>
+      </p:nvGrpSpPr>
+      <p:grpSpPr>
+        <a:xfrm>
+          <a:off x="0" y="0"/>
+          <a:ext cx="0" cy="0"/>
+          <a:chOff x="0" y="0"/>
+          <a:chExt cx="0" cy="0"/>
+        </a:xfrm>
+      </p:grpSpPr>
+      <p:sp>
+        <p:nvSpPr>
+          <p:cNvPr id="68" name="Google Shape;68;gddb1725197_0_310:notes"/>
+          <p:cNvSpPr>
+            <a:spLocks noGrp="1" noRot="1" noChangeAspect="1"/>
+          </p:cNvSpPr>
+          <p:nvPr>
+            <p:ph type="sldImg" idx="2"/>
+          </p:nvPr>
+        </p:nvSpPr>
+        <p:spPr>
+          <a:xfrm>
+            <a:off x="406400" y="696913"/>
+            <a:ext cx="6199188" cy="3486150"/>
+          </a:xfrm>
+          <a:custGeom>
+            <a:avLst/>
+            <a:gdLst/>
+            <a:ahLst/>
+            <a:cxnLst/>
+            <a:rect l="l" t="t" r="r" b="b"/>
+            <a:pathLst>
+              <a:path w="120000" h="120000" extrusionOk="0">
+                <a:moveTo>
+                  <a:pt x="0" y="0"/>
+                </a:moveTo>
+                <a:lnTo>
+                  <a:pt x="120000" y="0"/>
+                </a:lnTo>
+                <a:lnTo>
+                  <a:pt x="120000" y="120000"/>
+                </a:lnTo>
+                <a:lnTo>
+                  <a:pt x="0" y="120000"/>
+                </a:lnTo>
+                <a:close/>
+              </a:path>
+            </a:pathLst>
+          </a:custGeom>
+        </p:spPr>
+      </p:sp>
+      <p:sp>
+        <p:nvSpPr>
+          <p:cNvPr id="69" name="Google Shape;69;gddb1725197_0_310:notes"/>
+          <p:cNvSpPr txBox="1">
+            <a:spLocks noGrp="1"/>
+          </p:cNvSpPr>
+          <p:nvPr>
+            <p:ph type="body" idx="1"/>
+          </p:nvPr>
+        </p:nvSpPr>
+        <p:spPr>
+          <a:xfrm>
+            <a:off x="701040" y="4415790"/>
+            <a:ext cx="5608320" cy="4183380"/>
+          </a:xfrm>
+          <a:prstGeom prst="rect">
+            <a:avLst/>
+          </a:prstGeom>
+        </p:spPr>
+        <p:txBody>
+          <a:bodyPr spcFirstLastPara="1" wrap="square" lIns="93162" tIns="93162" rIns="93162" bIns="93162" anchor="t" anchorCtr="0">
+            <a:noAutofit/>
+          </a:bodyPr>
+          <a:lstStyle/>
+          <a:p>
+            <a:pPr marL="0" indent="0">
+              <a:buNone/>
+            </a:pPr>
+            <a:endParaRPr/>
+          </a:p>
+        </p:txBody>
+      </p:sp>
+    </p:spTree>
+  </p:cSld>
+  <p:clrMapOvr>
+    <a:masterClrMapping/>
+  </p:clrMapOvr>
+</p:notes>
+</file>
+
+<file path=ppt/notesSlides/notesSlide20.xml><?xml version="1.0" encoding="utf-8"?>
+<p:notes xmlns:a="http://schemas.openxmlformats.org/drawingml/2006/main" xmlns:r="http://schemas.openxmlformats.org/officeDocument/2006/relationships" xmlns:p="http://schemas.openxmlformats.org/presentationml/2006/main" showMasterSp="0" showMasterPhAnim="0">
+  <p:cSld>
+    <p:spTree>
+      <p:nvGrpSpPr>
+        <p:cNvPr id="1" name="Shape 186"/>
+        <p:cNvGrpSpPr/>
+        <p:nvPr/>
+      </p:nvGrpSpPr>
+      <p:grpSpPr>
+        <a:xfrm>
+          <a:off x="0" y="0"/>
+          <a:ext cx="0" cy="0"/>
+          <a:chOff x="0" y="0"/>
+          <a:chExt cx="0" cy="0"/>
+        </a:xfrm>
+      </p:grpSpPr>
+      <p:sp>
+        <p:nvSpPr>
+          <p:cNvPr id="187" name="Google Shape;187;gddd1a6640f_0_46:notes"/>
+          <p:cNvSpPr>
+            <a:spLocks noGrp="1" noRot="1" noChangeAspect="1"/>
+          </p:cNvSpPr>
+          <p:nvPr>
+            <p:ph type="sldImg" idx="2"/>
+          </p:nvPr>
+        </p:nvSpPr>
+        <p:spPr>
+          <a:xfrm>
+            <a:off x="406400" y="696913"/>
+            <a:ext cx="6199188" cy="3486150"/>
+          </a:xfrm>
+          <a:custGeom>
+            <a:avLst/>
+            <a:gdLst/>
+            <a:ahLst/>
+            <a:cxnLst/>
+            <a:rect l="l" t="t" r="r" b="b"/>
+            <a:pathLst>
+              <a:path w="120000" h="120000" extrusionOk="0">
+                <a:moveTo>
+                  <a:pt x="0" y="0"/>
+                </a:moveTo>
+                <a:lnTo>
+                  <a:pt x="120000" y="0"/>
+                </a:lnTo>
+                <a:lnTo>
+                  <a:pt x="120000" y="120000"/>
+                </a:lnTo>
+                <a:lnTo>
+                  <a:pt x="0" y="120000"/>
+                </a:lnTo>
+                <a:close/>
+              </a:path>
+            </a:pathLst>
+          </a:custGeom>
+        </p:spPr>
+      </p:sp>
+      <p:sp>
+        <p:nvSpPr>
+          <p:cNvPr id="188" name="Google Shape;188;gddd1a6640f_0_46:notes"/>
+          <p:cNvSpPr txBox="1">
+            <a:spLocks noGrp="1"/>
+          </p:cNvSpPr>
+          <p:nvPr>
+            <p:ph type="body" idx="1"/>
+          </p:nvPr>
+        </p:nvSpPr>
+        <p:spPr>
+          <a:xfrm>
+            <a:off x="701040" y="4415790"/>
+            <a:ext cx="5608320" cy="4183380"/>
+          </a:xfrm>
+          <a:prstGeom prst="rect">
+            <a:avLst/>
+          </a:prstGeom>
+        </p:spPr>
+        <p:txBody>
+          <a:bodyPr spcFirstLastPara="1" wrap="square" lIns="93162" tIns="93162" rIns="93162" bIns="93162" anchor="t" anchorCtr="0">
+            <a:noAutofit/>
+          </a:bodyPr>
+          <a:lstStyle/>
+          <a:p>
+            <a:pPr marL="0" indent="0">
+              <a:buNone/>
+            </a:pPr>
+            <a:endParaRPr/>
+          </a:p>
+        </p:txBody>
+      </p:sp>
+    </p:spTree>
+  </p:cSld>
+  <p:clrMapOvr>
+    <a:masterClrMapping/>
+  </p:clrMapOvr>
+</p:notes>
+</file>
+
+<file path=ppt/notesSlides/notesSlide3.xml><?xml version="1.0" encoding="utf-8"?>
+<p:notes xmlns:a="http://schemas.openxmlformats.org/drawingml/2006/main" xmlns:r="http://schemas.openxmlformats.org/officeDocument/2006/relationships" xmlns:p="http://schemas.openxmlformats.org/presentationml/2006/main" showMasterSp="0" showMasterPhAnim="0">
+  <p:cSld>
+    <p:spTree>
+      <p:nvGrpSpPr>
+        <p:cNvPr id="1" name="Shape 73"/>
+        <p:cNvGrpSpPr/>
+        <p:nvPr/>
+      </p:nvGrpSpPr>
+      <p:grpSpPr>
+        <a:xfrm>
+          <a:off x="0" y="0"/>
+          <a:ext cx="0" cy="0"/>
+          <a:chOff x="0" y="0"/>
+          <a:chExt cx="0" cy="0"/>
+        </a:xfrm>
+      </p:grpSpPr>
+      <p:sp>
+        <p:nvSpPr>
+          <p:cNvPr id="74" name="Google Shape;74;gddb1725197_0_335:notes"/>
+          <p:cNvSpPr>
+            <a:spLocks noGrp="1" noRot="1" noChangeAspect="1"/>
+          </p:cNvSpPr>
+          <p:nvPr>
+            <p:ph type="sldImg" idx="2"/>
+          </p:nvPr>
+        </p:nvSpPr>
+        <p:spPr>
+          <a:xfrm>
+            <a:off x="406400" y="696913"/>
+            <a:ext cx="6199188" cy="3486150"/>
+          </a:xfrm>
+          <a:custGeom>
+            <a:avLst/>
+            <a:gdLst/>
+            <a:ahLst/>
+            <a:cxnLst/>
+            <a:rect l="l" t="t" r="r" b="b"/>
+            <a:pathLst>
+              <a:path w="120000" h="120000" extrusionOk="0">
+                <a:moveTo>
+                  <a:pt x="0" y="0"/>
+                </a:moveTo>
+                <a:lnTo>
+                  <a:pt x="120000" y="0"/>
+                </a:lnTo>
+                <a:lnTo>
+                  <a:pt x="120000" y="120000"/>
+                </a:lnTo>
+                <a:lnTo>
+                  <a:pt x="0" y="120000"/>
+                </a:lnTo>
+                <a:close/>
+              </a:path>
+            </a:pathLst>
+          </a:custGeom>
+        </p:spPr>
+      </p:sp>
+      <p:sp>
+        <p:nvSpPr>
+          <p:cNvPr id="75" name="Google Shape;75;gddb1725197_0_335:notes"/>
+          <p:cNvSpPr txBox="1">
+            <a:spLocks noGrp="1"/>
+          </p:cNvSpPr>
+          <p:nvPr>
+            <p:ph type="body" idx="1"/>
+          </p:nvPr>
+        </p:nvSpPr>
+        <p:spPr>
+          <a:xfrm>
+            <a:off x="701040" y="4415790"/>
+            <a:ext cx="5608320" cy="4183380"/>
+          </a:xfrm>
+          <a:prstGeom prst="rect">
+            <a:avLst/>
+          </a:prstGeom>
+        </p:spPr>
+        <p:txBody>
+          <a:bodyPr spcFirstLastPara="1" wrap="square" lIns="93162" tIns="93162" rIns="93162" bIns="93162" anchor="t" anchorCtr="0">
+            <a:noAutofit/>
+          </a:bodyPr>
+          <a:lstStyle/>
+          <a:p>
+            <a:pPr marL="0" indent="0">
+              <a:buNone/>
+            </a:pPr>
+            <a:endParaRPr/>
+          </a:p>
+        </p:txBody>
+      </p:sp>
+    </p:spTree>
+  </p:cSld>
+  <p:clrMapOvr>
+    <a:masterClrMapping/>
+  </p:clrMapOvr>
+</p:notes>
+</file>
+
+<file path=ppt/notesSlides/notesSlide4.xml><?xml version="1.0" encoding="utf-8"?>
+<p:notes xmlns:a="http://schemas.openxmlformats.org/drawingml/2006/main" xmlns:r="http://schemas.openxmlformats.org/officeDocument/2006/relationships" xmlns:p="http://schemas.openxmlformats.org/presentationml/2006/main" showMasterSp="0" showMasterPhAnim="0">
+  <p:cSld>
+    <p:spTree>
+      <p:nvGrpSpPr>
+        <p:cNvPr id="1" name="Shape 79"/>
+        <p:cNvGrpSpPr/>
+        <p:nvPr/>
+      </p:nvGrpSpPr>
+      <p:grpSpPr>
+        <a:xfrm>
+          <a:off x="0" y="0"/>
+          <a:ext cx="0" cy="0"/>
+          <a:chOff x="0" y="0"/>
+          <a:chExt cx="0" cy="0"/>
+        </a:xfrm>
+      </p:grpSpPr>
+      <p:sp>
+        <p:nvSpPr>
+          <p:cNvPr id="80" name="Google Shape;80;gddb1725197_0_330:notes"/>
+          <p:cNvSpPr>
+            <a:spLocks noGrp="1" noRot="1" noChangeAspect="1"/>
+          </p:cNvSpPr>
+          <p:nvPr>
+            <p:ph type="sldImg" idx="2"/>
+          </p:nvPr>
+        </p:nvSpPr>
+        <p:spPr>
+          <a:xfrm>
+            <a:off x="406400" y="696913"/>
+            <a:ext cx="6199188" cy="3486150"/>
+          </a:xfrm>
+          <a:custGeom>
+            <a:avLst/>
+            <a:gdLst/>
+            <a:ahLst/>
+            <a:cxnLst/>
+            <a:rect l="l" t="t" r="r" b="b"/>
+            <a:pathLst>
+              <a:path w="120000" h="120000" extrusionOk="0">
+                <a:moveTo>
+                  <a:pt x="0" y="0"/>
+                </a:moveTo>
+                <a:lnTo>
+                  <a:pt x="120000" y="0"/>
+                </a:lnTo>
+                <a:lnTo>
+                  <a:pt x="120000" y="120000"/>
+                </a:lnTo>
+                <a:lnTo>
+                  <a:pt x="0" y="120000"/>
+                </a:lnTo>
+                <a:close/>
+              </a:path>
+            </a:pathLst>
+          </a:custGeom>
+        </p:spPr>
+      </p:sp>
+      <p:sp>
+        <p:nvSpPr>
+          <p:cNvPr id="81" name="Google Shape;81;gddb1725197_0_330:notes"/>
+          <p:cNvSpPr txBox="1">
+            <a:spLocks noGrp="1"/>
+          </p:cNvSpPr>
+          <p:nvPr>
+            <p:ph type="body" idx="1"/>
+          </p:nvPr>
+        </p:nvSpPr>
+        <p:spPr>
+          <a:xfrm>
+            <a:off x="701040" y="4415790"/>
+            <a:ext cx="5608320" cy="4183380"/>
+          </a:xfrm>
+          <a:prstGeom prst="rect">
+            <a:avLst/>
+          </a:prstGeom>
+        </p:spPr>
+        <p:txBody>
+          <a:bodyPr spcFirstLastPara="1" wrap="square" lIns="93162" tIns="93162" rIns="93162" bIns="93162" anchor="t" anchorCtr="0">
+            <a:noAutofit/>
+          </a:bodyPr>
+          <a:lstStyle/>
+          <a:p>
+            <a:pPr marL="0" indent="0">
+              <a:buNone/>
+            </a:pPr>
+            <a:endParaRPr/>
+          </a:p>
+        </p:txBody>
+      </p:sp>
+    </p:spTree>
+  </p:cSld>
+  <p:clrMapOvr>
+    <a:masterClrMapping/>
+  </p:clrMapOvr>
+</p:notes>
+</file>
+
+<file path=ppt/notesSlides/notesSlide5.xml><?xml version="1.0" encoding="utf-8"?>
+<p:notes xmlns:a="http://schemas.openxmlformats.org/drawingml/2006/main" xmlns:r="http://schemas.openxmlformats.org/officeDocument/2006/relationships" xmlns:p="http://schemas.openxmlformats.org/presentationml/2006/main" showMasterSp="0" showMasterPhAnim="0">
+  <p:cSld>
+    <p:spTree>
+      <p:nvGrpSpPr>
+        <p:cNvPr id="1" name="Shape 85"/>
+        <p:cNvGrpSpPr/>
+        <p:nvPr/>
+      </p:nvGrpSpPr>
+      <p:grpSpPr>
+        <a:xfrm>
+          <a:off x="0" y="0"/>
+          <a:ext cx="0" cy="0"/>
+          <a:chOff x="0" y="0"/>
+          <a:chExt cx="0" cy="0"/>
+        </a:xfrm>
+      </p:grpSpPr>
+      <p:sp>
+        <p:nvSpPr>
+          <p:cNvPr id="86" name="Google Shape;86;gddb1725197_0_325:notes"/>
+          <p:cNvSpPr>
+            <a:spLocks noGrp="1" noRot="1" noChangeAspect="1"/>
+          </p:cNvSpPr>
+          <p:nvPr>
+            <p:ph type="sldImg" idx="2"/>
+          </p:nvPr>
+        </p:nvSpPr>
+        <p:spPr>
+          <a:xfrm>
+            <a:off x="406400" y="696913"/>
+            <a:ext cx="6199188" cy="3486150"/>
+          </a:xfrm>
+          <a:custGeom>
+            <a:avLst/>
+            <a:gdLst/>
+            <a:ahLst/>
+            <a:cxnLst/>
+            <a:rect l="l" t="t" r="r" b="b"/>
+            <a:pathLst>
+              <a:path w="120000" h="120000" extrusionOk="0">
+                <a:moveTo>
+                  <a:pt x="0" y="0"/>
+                </a:moveTo>
+                <a:lnTo>
+                  <a:pt x="120000" y="0"/>
+                </a:lnTo>
+                <a:lnTo>
+                  <a:pt x="120000" y="120000"/>
+                </a:lnTo>
+                <a:lnTo>
+                  <a:pt x="0" y="120000"/>
+                </a:lnTo>
+                <a:close/>
+              </a:path>
+            </a:pathLst>
+          </a:custGeom>
+        </p:spPr>
+      </p:sp>
+      <p:sp>
+        <p:nvSpPr>
+          <p:cNvPr id="87" name="Google Shape;87;gddb1725197_0_325:notes"/>
+          <p:cNvSpPr txBox="1">
+            <a:spLocks noGrp="1"/>
+          </p:cNvSpPr>
+          <p:nvPr>
+            <p:ph type="body" idx="1"/>
+          </p:nvPr>
+        </p:nvSpPr>
+        <p:spPr>
+          <a:xfrm>
+            <a:off x="701040" y="4415790"/>
+            <a:ext cx="5608320" cy="4183380"/>
+          </a:xfrm>
+          <a:prstGeom prst="rect">
+            <a:avLst/>
+          </a:prstGeom>
+        </p:spPr>
+        <p:txBody>
+          <a:bodyPr spcFirstLastPara="1" wrap="square" lIns="93162" tIns="93162" rIns="93162" bIns="93162" anchor="t" anchorCtr="0">
+            <a:noAutofit/>
+          </a:bodyPr>
+          <a:lstStyle/>
+          <a:p>
+            <a:pPr marL="0" indent="0">
+              <a:buNone/>
+            </a:pPr>
+            <a:endParaRPr/>
+          </a:p>
+        </p:txBody>
+      </p:sp>
+    </p:spTree>
+  </p:cSld>
+  <p:clrMapOvr>
+    <a:masterClrMapping/>
+  </p:clrMapOvr>
+</p:notes>
+</file>
+
+<file path=ppt/notesSlides/notesSlide6.xml><?xml version="1.0" encoding="utf-8"?>
+<p:notes xmlns:a="http://schemas.openxmlformats.org/drawingml/2006/main" xmlns:r="http://schemas.openxmlformats.org/officeDocument/2006/relationships" xmlns:p="http://schemas.openxmlformats.org/presentationml/2006/main" showMasterSp="0" showMasterPhAnim="0">
+  <p:cSld>
+    <p:spTree>
+      <p:nvGrpSpPr>
+        <p:cNvPr id="1" name="Shape 94"/>
+        <p:cNvGrpSpPr/>
+        <p:nvPr/>
+      </p:nvGrpSpPr>
+      <p:grpSpPr>
+        <a:xfrm>
+          <a:off x="0" y="0"/>
+          <a:ext cx="0" cy="0"/>
+          <a:chOff x="0" y="0"/>
+          <a:chExt cx="0" cy="0"/>
+        </a:xfrm>
+      </p:grpSpPr>
+      <p:sp>
+        <p:nvSpPr>
+          <p:cNvPr id="95" name="Google Shape;95;gddb1725197_0_320:notes"/>
+          <p:cNvSpPr>
+            <a:spLocks noGrp="1" noRot="1" noChangeAspect="1"/>
+          </p:cNvSpPr>
+          <p:nvPr>
+            <p:ph type="sldImg" idx="2"/>
+          </p:nvPr>
+        </p:nvSpPr>
+        <p:spPr>
+          <a:xfrm>
+            <a:off x="406400" y="696913"/>
+            <a:ext cx="6199188" cy="3486150"/>
+          </a:xfrm>
+          <a:custGeom>
+            <a:avLst/>
+            <a:gdLst/>
+            <a:ahLst/>
+            <a:cxnLst/>
+            <a:rect l="l" t="t" r="r" b="b"/>
+            <a:pathLst>
+              <a:path w="120000" h="120000" extrusionOk="0">
+                <a:moveTo>
+                  <a:pt x="0" y="0"/>
+                </a:moveTo>
+                <a:lnTo>
+                  <a:pt x="120000" y="0"/>
+                </a:lnTo>
+                <a:lnTo>
+                  <a:pt x="120000" y="120000"/>
+                </a:lnTo>
+                <a:lnTo>
+                  <a:pt x="0" y="120000"/>
+                </a:lnTo>
+                <a:close/>
+              </a:path>
+            </a:pathLst>
+          </a:custGeom>
+        </p:spPr>
+      </p:sp>
+      <p:sp>
+        <p:nvSpPr>
+          <p:cNvPr id="96" name="Google Shape;96;gddb1725197_0_320:notes"/>
+          <p:cNvSpPr txBox="1">
+            <a:spLocks noGrp="1"/>
+          </p:cNvSpPr>
+          <p:nvPr>
+            <p:ph type="body" idx="1"/>
+          </p:nvPr>
+        </p:nvSpPr>
+        <p:spPr>
+          <a:xfrm>
+            <a:off x="701040" y="4415790"/>
+            <a:ext cx="5608320" cy="4183380"/>
+          </a:xfrm>
+          <a:prstGeom prst="rect">
+            <a:avLst/>
+          </a:prstGeom>
+        </p:spPr>
+        <p:txBody>
+          <a:bodyPr spcFirstLastPara="1" wrap="square" lIns="93162" tIns="93162" rIns="93162" bIns="93162" anchor="t" anchorCtr="0">
+            <a:noAutofit/>
+          </a:bodyPr>
+          <a:lstStyle/>
+          <a:p>
+            <a:pPr marL="0" indent="0">
+              <a:buNone/>
+            </a:pPr>
+            <a:endParaRPr/>
+          </a:p>
+        </p:txBody>
+      </p:sp>
+    </p:spTree>
+  </p:cSld>
+  <p:clrMapOvr>
+    <a:masterClrMapping/>
+  </p:clrMapOvr>
+</p:notes>
+</file>
+
+<file path=ppt/notesSlides/notesSlide7.xml><?xml version="1.0" encoding="utf-8"?>
+<p:notes xmlns:a="http://schemas.openxmlformats.org/drawingml/2006/main" xmlns:r="http://schemas.openxmlformats.org/officeDocument/2006/relationships" xmlns:p="http://schemas.openxmlformats.org/presentationml/2006/main" showMasterSp="0" showMasterPhAnim="0">
+  <p:cSld>
+    <p:spTree>
+      <p:nvGrpSpPr>
+        <p:cNvPr id="1" name="Shape 101"/>
+        <p:cNvGrpSpPr/>
+        <p:nvPr/>
+      </p:nvGrpSpPr>
+      <p:grpSpPr>
+        <a:xfrm>
+          <a:off x="0" y="0"/>
+          <a:ext cx="0" cy="0"/>
+          <a:chOff x="0" y="0"/>
+          <a:chExt cx="0" cy="0"/>
+        </a:xfrm>
+      </p:grpSpPr>
+      <p:sp>
+        <p:nvSpPr>
+          <p:cNvPr id="102" name="Google Shape;102;ge09c851785_0_10:notes"/>
+          <p:cNvSpPr>
+            <a:spLocks noGrp="1" noRot="1" noChangeAspect="1"/>
+          </p:cNvSpPr>
+          <p:nvPr>
+            <p:ph type="sldImg" idx="2"/>
+          </p:nvPr>
+        </p:nvSpPr>
+        <p:spPr>
+          <a:xfrm>
+            <a:off x="406400" y="696913"/>
+            <a:ext cx="6199188" cy="3486150"/>
+          </a:xfrm>
+          <a:custGeom>
+            <a:avLst/>
+            <a:gdLst/>
+            <a:ahLst/>
+            <a:cxnLst/>
+            <a:rect l="l" t="t" r="r" b="b"/>
+            <a:pathLst>
+              <a:path w="120000" h="120000" extrusionOk="0">
+                <a:moveTo>
+                  <a:pt x="0" y="0"/>
+                </a:moveTo>
+                <a:lnTo>
+                  <a:pt x="120000" y="0"/>
+                </a:lnTo>
+                <a:lnTo>
+                  <a:pt x="120000" y="120000"/>
+                </a:lnTo>
+                <a:lnTo>
+                  <a:pt x="0" y="120000"/>
+                </a:lnTo>
+                <a:close/>
+              </a:path>
+            </a:pathLst>
+          </a:custGeom>
+        </p:spPr>
+      </p:sp>
+      <p:sp>
+        <p:nvSpPr>
+          <p:cNvPr id="103" name="Google Shape;103;ge09c851785_0_10:notes"/>
+          <p:cNvSpPr txBox="1">
+            <a:spLocks noGrp="1"/>
+          </p:cNvSpPr>
+          <p:nvPr>
+            <p:ph type="body" idx="1"/>
+          </p:nvPr>
+        </p:nvSpPr>
+        <p:spPr>
+          <a:xfrm>
+            <a:off x="701040" y="4415790"/>
+            <a:ext cx="5608320" cy="4183380"/>
+          </a:xfrm>
+          <a:prstGeom prst="rect">
+            <a:avLst/>
+          </a:prstGeom>
+        </p:spPr>
+        <p:txBody>
+          <a:bodyPr spcFirstLastPara="1" wrap="square" lIns="93162" tIns="93162" rIns="93162" bIns="93162" anchor="t" anchorCtr="0">
+            <a:noAutofit/>
+          </a:bodyPr>
+          <a:lstStyle/>
+          <a:p>
+            <a:pPr marL="0" indent="0">
+              <a:buNone/>
+            </a:pPr>
+            <a:endParaRPr/>
+          </a:p>
+        </p:txBody>
+      </p:sp>
+    </p:spTree>
+  </p:cSld>
+  <p:clrMapOvr>
+    <a:masterClrMapping/>
+  </p:clrMapOvr>
+</p:notes>
+</file>
+
+<file path=ppt/notesSlides/notesSlide8.xml><?xml version="1.0" encoding="utf-8"?>
+<p:notes xmlns:a="http://schemas.openxmlformats.org/drawingml/2006/main" xmlns:r="http://schemas.openxmlformats.org/officeDocument/2006/relationships" xmlns:p="http://schemas.openxmlformats.org/presentationml/2006/main" showMasterSp="0" showMasterPhAnim="0">
+  <p:cSld>
+    <p:spTree>
+      <p:nvGrpSpPr>
+        <p:cNvPr id="1" name="Shape 108"/>
+        <p:cNvGrpSpPr/>
+        <p:nvPr/>
+      </p:nvGrpSpPr>
+      <p:grpSpPr>
+        <a:xfrm>
+          <a:off x="0" y="0"/>
+          <a:ext cx="0" cy="0"/>
+          <a:chOff x="0" y="0"/>
+          <a:chExt cx="0" cy="0"/>
+        </a:xfrm>
+      </p:grpSpPr>
+      <p:sp>
+        <p:nvSpPr>
+          <p:cNvPr id="109" name="Google Shape;109;ge09c851785_0_15:notes"/>
+          <p:cNvSpPr>
+            <a:spLocks noGrp="1" noRot="1" noChangeAspect="1"/>
+          </p:cNvSpPr>
+          <p:nvPr>
+            <p:ph type="sldImg" idx="2"/>
+          </p:nvPr>
+        </p:nvSpPr>
+        <p:spPr>
+          <a:xfrm>
+            <a:off x="406400" y="696913"/>
+            <a:ext cx="6199188" cy="3486150"/>
+          </a:xfrm>
+          <a:custGeom>
+            <a:avLst/>
+            <a:gdLst/>
+            <a:ahLst/>
+            <a:cxnLst/>
+            <a:rect l="l" t="t" r="r" b="b"/>
+            <a:pathLst>
+              <a:path w="120000" h="120000" extrusionOk="0">
+                <a:moveTo>
+                  <a:pt x="0" y="0"/>
+                </a:moveTo>
+                <a:lnTo>
+                  <a:pt x="120000" y="0"/>
+                </a:lnTo>
+                <a:lnTo>
+                  <a:pt x="120000" y="120000"/>
+                </a:lnTo>
+                <a:lnTo>
+                  <a:pt x="0" y="120000"/>
+                </a:lnTo>
+                <a:close/>
+              </a:path>
+            </a:pathLst>
+          </a:custGeom>
+        </p:spPr>
+      </p:sp>
+      <p:sp>
+        <p:nvSpPr>
+          <p:cNvPr id="110" name="Google Shape;110;ge09c851785_0_15:notes"/>
+          <p:cNvSpPr txBox="1">
+            <a:spLocks noGrp="1"/>
+          </p:cNvSpPr>
+          <p:nvPr>
+            <p:ph type="body" idx="1"/>
+          </p:nvPr>
+        </p:nvSpPr>
+        <p:spPr>
+          <a:xfrm>
+            <a:off x="701040" y="4415790"/>
+            <a:ext cx="5608320" cy="4183380"/>
+          </a:xfrm>
+          <a:prstGeom prst="rect">
+            <a:avLst/>
+          </a:prstGeom>
+        </p:spPr>
+        <p:txBody>
+          <a:bodyPr spcFirstLastPara="1" wrap="square" lIns="93162" tIns="93162" rIns="93162" bIns="93162" anchor="t" anchorCtr="0">
+            <a:noAutofit/>
+          </a:bodyPr>
+          <a:lstStyle/>
+          <a:p>
+            <a:pPr marL="0" indent="0">
+              <a:buNone/>
+            </a:pPr>
+            <a:endParaRPr/>
+          </a:p>
+        </p:txBody>
+      </p:sp>
+    </p:spTree>
+  </p:cSld>
+  <p:clrMapOvr>
+    <a:masterClrMapping/>
+  </p:clrMapOvr>
+</p:notes>
+</file>
+
+<file path=ppt/notesSlides/notesSlide9.xml><?xml version="1.0" encoding="utf-8"?>
 <p:notes xmlns:a="http://schemas.openxmlformats.org/drawingml/2006/main" xmlns:r="http://schemas.openxmlformats.org/officeDocument/2006/relationships" xmlns:p="http://schemas.openxmlformats.org/presentationml/2006/main" showMasterSp="0" showMasterPhAnim="0">
   <p:cSld>
     <p:spTree>
@@ -889,1868 +2653,6 @@
       <p:sp>
         <p:nvSpPr>
           <p:cNvPr id="117" name="Google Shape;117;gddb1725197_0_315:notes"/>
-          <p:cNvSpPr txBox="1">
-            <a:spLocks noGrp="1"/>
-          </p:cNvSpPr>
-          <p:nvPr>
-            <p:ph type="body" idx="1"/>
-          </p:nvPr>
-        </p:nvSpPr>
-        <p:spPr>
-          <a:xfrm>
-            <a:off x="701040" y="4415790"/>
-            <a:ext cx="5608320" cy="4183380"/>
-          </a:xfrm>
-          <a:prstGeom prst="rect">
-            <a:avLst/>
-          </a:prstGeom>
-        </p:spPr>
-        <p:txBody>
-          <a:bodyPr spcFirstLastPara="1" wrap="square" lIns="93162" tIns="93162" rIns="93162" bIns="93162" anchor="t" anchorCtr="0">
-            <a:noAutofit/>
-          </a:bodyPr>
-          <a:lstStyle/>
-          <a:p>
-            <a:pPr marL="0" indent="0">
-              <a:buNone/>
-            </a:pPr>
-            <a:endParaRPr/>
-          </a:p>
-        </p:txBody>
-      </p:sp>
-    </p:spTree>
-  </p:cSld>
-  <p:clrMapOvr>
-    <a:masterClrMapping/>
-  </p:clrMapOvr>
-</p:notes>
-</file>
-
-<file path=ppt/notesSlides/notesSlide11.xml><?xml version="1.0" encoding="utf-8"?>
-<p:notes xmlns:a="http://schemas.openxmlformats.org/drawingml/2006/main" xmlns:r="http://schemas.openxmlformats.org/officeDocument/2006/relationships" xmlns:p="http://schemas.openxmlformats.org/presentationml/2006/main" showMasterSp="0" showMasterPhAnim="0">
-  <p:cSld>
-    <p:spTree>
-      <p:nvGrpSpPr>
-        <p:cNvPr id="1" name="Shape 121"/>
-        <p:cNvGrpSpPr/>
-        <p:nvPr/>
-      </p:nvGrpSpPr>
-      <p:grpSpPr>
-        <a:xfrm>
-          <a:off x="0" y="0"/>
-          <a:ext cx="0" cy="0"/>
-          <a:chOff x="0" y="0"/>
-          <a:chExt cx="0" cy="0"/>
-        </a:xfrm>
-      </p:grpSpPr>
-      <p:sp>
-        <p:nvSpPr>
-          <p:cNvPr id="122" name="Google Shape;122;ge09c851785_0_33:notes"/>
-          <p:cNvSpPr>
-            <a:spLocks noGrp="1" noRot="1" noChangeAspect="1"/>
-          </p:cNvSpPr>
-          <p:nvPr>
-            <p:ph type="sldImg" idx="2"/>
-          </p:nvPr>
-        </p:nvSpPr>
-        <p:spPr>
-          <a:xfrm>
-            <a:off x="406400" y="696913"/>
-            <a:ext cx="6199188" cy="3486150"/>
-          </a:xfrm>
-          <a:custGeom>
-            <a:avLst/>
-            <a:gdLst/>
-            <a:ahLst/>
-            <a:cxnLst/>
-            <a:rect l="l" t="t" r="r" b="b"/>
-            <a:pathLst>
-              <a:path w="120000" h="120000" extrusionOk="0">
-                <a:moveTo>
-                  <a:pt x="0" y="0"/>
-                </a:moveTo>
-                <a:lnTo>
-                  <a:pt x="120000" y="0"/>
-                </a:lnTo>
-                <a:lnTo>
-                  <a:pt x="120000" y="120000"/>
-                </a:lnTo>
-                <a:lnTo>
-                  <a:pt x="0" y="120000"/>
-                </a:lnTo>
-                <a:close/>
-              </a:path>
-            </a:pathLst>
-          </a:custGeom>
-        </p:spPr>
-      </p:sp>
-      <p:sp>
-        <p:nvSpPr>
-          <p:cNvPr id="123" name="Google Shape;123;ge09c851785_0_33:notes"/>
-          <p:cNvSpPr txBox="1">
-            <a:spLocks noGrp="1"/>
-          </p:cNvSpPr>
-          <p:nvPr>
-            <p:ph type="body" idx="1"/>
-          </p:nvPr>
-        </p:nvSpPr>
-        <p:spPr>
-          <a:xfrm>
-            <a:off x="701040" y="4415790"/>
-            <a:ext cx="5608320" cy="4183380"/>
-          </a:xfrm>
-          <a:prstGeom prst="rect">
-            <a:avLst/>
-          </a:prstGeom>
-        </p:spPr>
-        <p:txBody>
-          <a:bodyPr spcFirstLastPara="1" wrap="square" lIns="93162" tIns="93162" rIns="93162" bIns="93162" anchor="t" anchorCtr="0">
-            <a:noAutofit/>
-          </a:bodyPr>
-          <a:lstStyle/>
-          <a:p>
-            <a:pPr marL="0" indent="0">
-              <a:buNone/>
-            </a:pPr>
-            <a:endParaRPr/>
-          </a:p>
-        </p:txBody>
-      </p:sp>
-    </p:spTree>
-  </p:cSld>
-  <p:clrMapOvr>
-    <a:masterClrMapping/>
-  </p:clrMapOvr>
-</p:notes>
-</file>
-
-<file path=ppt/notesSlides/notesSlide12.xml><?xml version="1.0" encoding="utf-8"?>
-<p:notes xmlns:a="http://schemas.openxmlformats.org/drawingml/2006/main" xmlns:r="http://schemas.openxmlformats.org/officeDocument/2006/relationships" xmlns:p="http://schemas.openxmlformats.org/presentationml/2006/main" showMasterSp="0" showMasterPhAnim="0">
-  <p:cSld>
-    <p:spTree>
-      <p:nvGrpSpPr>
-        <p:cNvPr id="1" name="Shape 128"/>
-        <p:cNvGrpSpPr/>
-        <p:nvPr/>
-      </p:nvGrpSpPr>
-      <p:grpSpPr>
-        <a:xfrm>
-          <a:off x="0" y="0"/>
-          <a:ext cx="0" cy="0"/>
-          <a:chOff x="0" y="0"/>
-          <a:chExt cx="0" cy="0"/>
-        </a:xfrm>
-      </p:grpSpPr>
-      <p:sp>
-        <p:nvSpPr>
-          <p:cNvPr id="129" name="Google Shape;129;ge09c851785_0_38:notes"/>
-          <p:cNvSpPr>
-            <a:spLocks noGrp="1" noRot="1" noChangeAspect="1"/>
-          </p:cNvSpPr>
-          <p:nvPr>
-            <p:ph type="sldImg" idx="2"/>
-          </p:nvPr>
-        </p:nvSpPr>
-        <p:spPr>
-          <a:xfrm>
-            <a:off x="406400" y="696913"/>
-            <a:ext cx="6199188" cy="3486150"/>
-          </a:xfrm>
-          <a:custGeom>
-            <a:avLst/>
-            <a:gdLst/>
-            <a:ahLst/>
-            <a:cxnLst/>
-            <a:rect l="l" t="t" r="r" b="b"/>
-            <a:pathLst>
-              <a:path w="120000" h="120000" extrusionOk="0">
-                <a:moveTo>
-                  <a:pt x="0" y="0"/>
-                </a:moveTo>
-                <a:lnTo>
-                  <a:pt x="120000" y="0"/>
-                </a:lnTo>
-                <a:lnTo>
-                  <a:pt x="120000" y="120000"/>
-                </a:lnTo>
-                <a:lnTo>
-                  <a:pt x="0" y="120000"/>
-                </a:lnTo>
-                <a:close/>
-              </a:path>
-            </a:pathLst>
-          </a:custGeom>
-        </p:spPr>
-      </p:sp>
-      <p:sp>
-        <p:nvSpPr>
-          <p:cNvPr id="130" name="Google Shape;130;ge09c851785_0_38:notes"/>
-          <p:cNvSpPr txBox="1">
-            <a:spLocks noGrp="1"/>
-          </p:cNvSpPr>
-          <p:nvPr>
-            <p:ph type="body" idx="1"/>
-          </p:nvPr>
-        </p:nvSpPr>
-        <p:spPr>
-          <a:xfrm>
-            <a:off x="701040" y="4415790"/>
-            <a:ext cx="5608320" cy="4183380"/>
-          </a:xfrm>
-          <a:prstGeom prst="rect">
-            <a:avLst/>
-          </a:prstGeom>
-        </p:spPr>
-        <p:txBody>
-          <a:bodyPr spcFirstLastPara="1" wrap="square" lIns="93162" tIns="93162" rIns="93162" bIns="93162" anchor="t" anchorCtr="0">
-            <a:noAutofit/>
-          </a:bodyPr>
-          <a:lstStyle/>
-          <a:p>
-            <a:pPr marL="0" indent="0">
-              <a:buNone/>
-            </a:pPr>
-            <a:endParaRPr/>
-          </a:p>
-        </p:txBody>
-      </p:sp>
-    </p:spTree>
-  </p:cSld>
-  <p:clrMapOvr>
-    <a:masterClrMapping/>
-  </p:clrMapOvr>
-</p:notes>
-</file>
-
-<file path=ppt/notesSlides/notesSlide13.xml><?xml version="1.0" encoding="utf-8"?>
-<p:notes xmlns:a="http://schemas.openxmlformats.org/drawingml/2006/main" xmlns:r="http://schemas.openxmlformats.org/officeDocument/2006/relationships" xmlns:p="http://schemas.openxmlformats.org/presentationml/2006/main" showMasterSp="0" showMasterPhAnim="0">
-  <p:cSld>
-    <p:spTree>
-      <p:nvGrpSpPr>
-        <p:cNvPr id="1" name="Shape 136"/>
-        <p:cNvGrpSpPr/>
-        <p:nvPr/>
-      </p:nvGrpSpPr>
-      <p:grpSpPr>
-        <a:xfrm>
-          <a:off x="0" y="0"/>
-          <a:ext cx="0" cy="0"/>
-          <a:chOff x="0" y="0"/>
-          <a:chExt cx="0" cy="0"/>
-        </a:xfrm>
-      </p:grpSpPr>
-      <p:sp>
-        <p:nvSpPr>
-          <p:cNvPr id="137" name="Google Shape;137;ge09c851785_0_43:notes"/>
-          <p:cNvSpPr>
-            <a:spLocks noGrp="1" noRot="1" noChangeAspect="1"/>
-          </p:cNvSpPr>
-          <p:nvPr>
-            <p:ph type="sldImg" idx="2"/>
-          </p:nvPr>
-        </p:nvSpPr>
-        <p:spPr>
-          <a:xfrm>
-            <a:off x="406400" y="696913"/>
-            <a:ext cx="6199188" cy="3486150"/>
-          </a:xfrm>
-          <a:custGeom>
-            <a:avLst/>
-            <a:gdLst/>
-            <a:ahLst/>
-            <a:cxnLst/>
-            <a:rect l="l" t="t" r="r" b="b"/>
-            <a:pathLst>
-              <a:path w="120000" h="120000" extrusionOk="0">
-                <a:moveTo>
-                  <a:pt x="0" y="0"/>
-                </a:moveTo>
-                <a:lnTo>
-                  <a:pt x="120000" y="0"/>
-                </a:lnTo>
-                <a:lnTo>
-                  <a:pt x="120000" y="120000"/>
-                </a:lnTo>
-                <a:lnTo>
-                  <a:pt x="0" y="120000"/>
-                </a:lnTo>
-                <a:close/>
-              </a:path>
-            </a:pathLst>
-          </a:custGeom>
-        </p:spPr>
-      </p:sp>
-      <p:sp>
-        <p:nvSpPr>
-          <p:cNvPr id="138" name="Google Shape;138;ge09c851785_0_43:notes"/>
-          <p:cNvSpPr txBox="1">
-            <a:spLocks noGrp="1"/>
-          </p:cNvSpPr>
-          <p:nvPr>
-            <p:ph type="body" idx="1"/>
-          </p:nvPr>
-        </p:nvSpPr>
-        <p:spPr>
-          <a:xfrm>
-            <a:off x="701040" y="4415790"/>
-            <a:ext cx="5608320" cy="4183380"/>
-          </a:xfrm>
-          <a:prstGeom prst="rect">
-            <a:avLst/>
-          </a:prstGeom>
-        </p:spPr>
-        <p:txBody>
-          <a:bodyPr spcFirstLastPara="1" wrap="square" lIns="93162" tIns="93162" rIns="93162" bIns="93162" anchor="t" anchorCtr="0">
-            <a:noAutofit/>
-          </a:bodyPr>
-          <a:lstStyle/>
-          <a:p>
-            <a:pPr marL="0" indent="0">
-              <a:buNone/>
-            </a:pPr>
-            <a:endParaRPr/>
-          </a:p>
-        </p:txBody>
-      </p:sp>
-    </p:spTree>
-  </p:cSld>
-  <p:clrMapOvr>
-    <a:masterClrMapping/>
-  </p:clrMapOvr>
-</p:notes>
-</file>
-
-<file path=ppt/notesSlides/notesSlide14.xml><?xml version="1.0" encoding="utf-8"?>
-<p:notes xmlns:a="http://schemas.openxmlformats.org/drawingml/2006/main" xmlns:r="http://schemas.openxmlformats.org/officeDocument/2006/relationships" xmlns:p="http://schemas.openxmlformats.org/presentationml/2006/main" showMasterSp="0" showMasterPhAnim="0">
-  <p:cSld>
-    <p:spTree>
-      <p:nvGrpSpPr>
-        <p:cNvPr id="1" name="Shape 142"/>
-        <p:cNvGrpSpPr/>
-        <p:nvPr/>
-      </p:nvGrpSpPr>
-      <p:grpSpPr>
-        <a:xfrm>
-          <a:off x="0" y="0"/>
-          <a:ext cx="0" cy="0"/>
-          <a:chOff x="0" y="0"/>
-          <a:chExt cx="0" cy="0"/>
-        </a:xfrm>
-      </p:grpSpPr>
-      <p:sp>
-        <p:nvSpPr>
-          <p:cNvPr id="143" name="Google Shape;143;gddd1a6640f_0_0:notes"/>
-          <p:cNvSpPr>
-            <a:spLocks noGrp="1" noRot="1" noChangeAspect="1"/>
-          </p:cNvSpPr>
-          <p:nvPr>
-            <p:ph type="sldImg" idx="2"/>
-          </p:nvPr>
-        </p:nvSpPr>
-        <p:spPr>
-          <a:xfrm>
-            <a:off x="406400" y="696913"/>
-            <a:ext cx="6199188" cy="3486150"/>
-          </a:xfrm>
-          <a:custGeom>
-            <a:avLst/>
-            <a:gdLst/>
-            <a:ahLst/>
-            <a:cxnLst/>
-            <a:rect l="l" t="t" r="r" b="b"/>
-            <a:pathLst>
-              <a:path w="120000" h="120000" extrusionOk="0">
-                <a:moveTo>
-                  <a:pt x="0" y="0"/>
-                </a:moveTo>
-                <a:lnTo>
-                  <a:pt x="120000" y="0"/>
-                </a:lnTo>
-                <a:lnTo>
-                  <a:pt x="120000" y="120000"/>
-                </a:lnTo>
-                <a:lnTo>
-                  <a:pt x="0" y="120000"/>
-                </a:lnTo>
-                <a:close/>
-              </a:path>
-            </a:pathLst>
-          </a:custGeom>
-        </p:spPr>
-      </p:sp>
-      <p:sp>
-        <p:nvSpPr>
-          <p:cNvPr id="144" name="Google Shape;144;gddd1a6640f_0_0:notes"/>
-          <p:cNvSpPr txBox="1">
-            <a:spLocks noGrp="1"/>
-          </p:cNvSpPr>
-          <p:nvPr>
-            <p:ph type="body" idx="1"/>
-          </p:nvPr>
-        </p:nvSpPr>
-        <p:spPr>
-          <a:xfrm>
-            <a:off x="701040" y="4415790"/>
-            <a:ext cx="5608320" cy="4183380"/>
-          </a:xfrm>
-          <a:prstGeom prst="rect">
-            <a:avLst/>
-          </a:prstGeom>
-        </p:spPr>
-        <p:txBody>
-          <a:bodyPr spcFirstLastPara="1" wrap="square" lIns="93162" tIns="93162" rIns="93162" bIns="93162" anchor="t" anchorCtr="0">
-            <a:noAutofit/>
-          </a:bodyPr>
-          <a:lstStyle/>
-          <a:p>
-            <a:pPr marL="0" indent="0">
-              <a:buNone/>
-            </a:pPr>
-            <a:endParaRPr/>
-          </a:p>
-        </p:txBody>
-      </p:sp>
-    </p:spTree>
-  </p:cSld>
-  <p:clrMapOvr>
-    <a:masterClrMapping/>
-  </p:clrMapOvr>
-</p:notes>
-</file>
-
-<file path=ppt/notesSlides/notesSlide15.xml><?xml version="1.0" encoding="utf-8"?>
-<p:notes xmlns:a="http://schemas.openxmlformats.org/drawingml/2006/main" xmlns:r="http://schemas.openxmlformats.org/officeDocument/2006/relationships" xmlns:p="http://schemas.openxmlformats.org/presentationml/2006/main" showMasterSp="0" showMasterPhAnim="0">
-  <p:cSld>
-    <p:spTree>
-      <p:nvGrpSpPr>
-        <p:cNvPr id="1" name="Shape 148"/>
-        <p:cNvGrpSpPr/>
-        <p:nvPr/>
-      </p:nvGrpSpPr>
-      <p:grpSpPr>
-        <a:xfrm>
-          <a:off x="0" y="0"/>
-          <a:ext cx="0" cy="0"/>
-          <a:chOff x="0" y="0"/>
-          <a:chExt cx="0" cy="0"/>
-        </a:xfrm>
-      </p:grpSpPr>
-      <p:sp>
-        <p:nvSpPr>
-          <p:cNvPr id="149" name="Google Shape;149;gddd1a6640f_0_5:notes"/>
-          <p:cNvSpPr>
-            <a:spLocks noGrp="1" noRot="1" noChangeAspect="1"/>
-          </p:cNvSpPr>
-          <p:nvPr>
-            <p:ph type="sldImg" idx="2"/>
-          </p:nvPr>
-        </p:nvSpPr>
-        <p:spPr>
-          <a:xfrm>
-            <a:off x="406400" y="696913"/>
-            <a:ext cx="6199188" cy="3486150"/>
-          </a:xfrm>
-          <a:custGeom>
-            <a:avLst/>
-            <a:gdLst/>
-            <a:ahLst/>
-            <a:cxnLst/>
-            <a:rect l="l" t="t" r="r" b="b"/>
-            <a:pathLst>
-              <a:path w="120000" h="120000" extrusionOk="0">
-                <a:moveTo>
-                  <a:pt x="0" y="0"/>
-                </a:moveTo>
-                <a:lnTo>
-                  <a:pt x="120000" y="0"/>
-                </a:lnTo>
-                <a:lnTo>
-                  <a:pt x="120000" y="120000"/>
-                </a:lnTo>
-                <a:lnTo>
-                  <a:pt x="0" y="120000"/>
-                </a:lnTo>
-                <a:close/>
-              </a:path>
-            </a:pathLst>
-          </a:custGeom>
-        </p:spPr>
-      </p:sp>
-      <p:sp>
-        <p:nvSpPr>
-          <p:cNvPr id="150" name="Google Shape;150;gddd1a6640f_0_5:notes"/>
-          <p:cNvSpPr txBox="1">
-            <a:spLocks noGrp="1"/>
-          </p:cNvSpPr>
-          <p:nvPr>
-            <p:ph type="body" idx="1"/>
-          </p:nvPr>
-        </p:nvSpPr>
-        <p:spPr>
-          <a:xfrm>
-            <a:off x="701040" y="4415790"/>
-            <a:ext cx="5608320" cy="4183380"/>
-          </a:xfrm>
-          <a:prstGeom prst="rect">
-            <a:avLst/>
-          </a:prstGeom>
-        </p:spPr>
-        <p:txBody>
-          <a:bodyPr spcFirstLastPara="1" wrap="square" lIns="93162" tIns="93162" rIns="93162" bIns="93162" anchor="t" anchorCtr="0">
-            <a:noAutofit/>
-          </a:bodyPr>
-          <a:lstStyle/>
-          <a:p>
-            <a:pPr marL="0" indent="0">
-              <a:buNone/>
-            </a:pPr>
-            <a:endParaRPr/>
-          </a:p>
-        </p:txBody>
-      </p:sp>
-    </p:spTree>
-  </p:cSld>
-  <p:clrMapOvr>
-    <a:masterClrMapping/>
-  </p:clrMapOvr>
-</p:notes>
-</file>
-
-<file path=ppt/notesSlides/notesSlide16.xml><?xml version="1.0" encoding="utf-8"?>
-<p:notes xmlns:a="http://schemas.openxmlformats.org/drawingml/2006/main" xmlns:r="http://schemas.openxmlformats.org/officeDocument/2006/relationships" xmlns:p="http://schemas.openxmlformats.org/presentationml/2006/main" showMasterSp="0" showMasterPhAnim="0">
-  <p:cSld>
-    <p:spTree>
-      <p:nvGrpSpPr>
-        <p:cNvPr id="1" name="Shape 154"/>
-        <p:cNvGrpSpPr/>
-        <p:nvPr/>
-      </p:nvGrpSpPr>
-      <p:grpSpPr>
-        <a:xfrm>
-          <a:off x="0" y="0"/>
-          <a:ext cx="0" cy="0"/>
-          <a:chOff x="0" y="0"/>
-          <a:chExt cx="0" cy="0"/>
-        </a:xfrm>
-      </p:grpSpPr>
-      <p:sp>
-        <p:nvSpPr>
-          <p:cNvPr id="155" name="Google Shape;155;gddd1a6640f_0_10:notes"/>
-          <p:cNvSpPr>
-            <a:spLocks noGrp="1" noRot="1" noChangeAspect="1"/>
-          </p:cNvSpPr>
-          <p:nvPr>
-            <p:ph type="sldImg" idx="2"/>
-          </p:nvPr>
-        </p:nvSpPr>
-        <p:spPr>
-          <a:xfrm>
-            <a:off x="406400" y="696913"/>
-            <a:ext cx="6199188" cy="3486150"/>
-          </a:xfrm>
-          <a:custGeom>
-            <a:avLst/>
-            <a:gdLst/>
-            <a:ahLst/>
-            <a:cxnLst/>
-            <a:rect l="l" t="t" r="r" b="b"/>
-            <a:pathLst>
-              <a:path w="120000" h="120000" extrusionOk="0">
-                <a:moveTo>
-                  <a:pt x="0" y="0"/>
-                </a:moveTo>
-                <a:lnTo>
-                  <a:pt x="120000" y="0"/>
-                </a:lnTo>
-                <a:lnTo>
-                  <a:pt x="120000" y="120000"/>
-                </a:lnTo>
-                <a:lnTo>
-                  <a:pt x="0" y="120000"/>
-                </a:lnTo>
-                <a:close/>
-              </a:path>
-            </a:pathLst>
-          </a:custGeom>
-        </p:spPr>
-      </p:sp>
-      <p:sp>
-        <p:nvSpPr>
-          <p:cNvPr id="156" name="Google Shape;156;gddd1a6640f_0_10:notes"/>
-          <p:cNvSpPr txBox="1">
-            <a:spLocks noGrp="1"/>
-          </p:cNvSpPr>
-          <p:nvPr>
-            <p:ph type="body" idx="1"/>
-          </p:nvPr>
-        </p:nvSpPr>
-        <p:spPr>
-          <a:xfrm>
-            <a:off x="701040" y="4415790"/>
-            <a:ext cx="5608320" cy="4183380"/>
-          </a:xfrm>
-          <a:prstGeom prst="rect">
-            <a:avLst/>
-          </a:prstGeom>
-        </p:spPr>
-        <p:txBody>
-          <a:bodyPr spcFirstLastPara="1" wrap="square" lIns="93162" tIns="93162" rIns="93162" bIns="93162" anchor="t" anchorCtr="0">
-            <a:noAutofit/>
-          </a:bodyPr>
-          <a:lstStyle/>
-          <a:p>
-            <a:pPr marL="0" indent="0">
-              <a:buNone/>
-            </a:pPr>
-            <a:endParaRPr/>
-          </a:p>
-        </p:txBody>
-      </p:sp>
-    </p:spTree>
-  </p:cSld>
-  <p:clrMapOvr>
-    <a:masterClrMapping/>
-  </p:clrMapOvr>
-</p:notes>
-</file>
-
-<file path=ppt/notesSlides/notesSlide17.xml><?xml version="1.0" encoding="utf-8"?>
-<p:notes xmlns:a="http://schemas.openxmlformats.org/drawingml/2006/main" xmlns:r="http://schemas.openxmlformats.org/officeDocument/2006/relationships" xmlns:p="http://schemas.openxmlformats.org/presentationml/2006/main" showMasterSp="0" showMasterPhAnim="0">
-  <p:cSld>
-    <p:spTree>
-      <p:nvGrpSpPr>
-        <p:cNvPr id="1" name="Shape 161"/>
-        <p:cNvGrpSpPr/>
-        <p:nvPr/>
-      </p:nvGrpSpPr>
-      <p:grpSpPr>
-        <a:xfrm>
-          <a:off x="0" y="0"/>
-          <a:ext cx="0" cy="0"/>
-          <a:chOff x="0" y="0"/>
-          <a:chExt cx="0" cy="0"/>
-        </a:xfrm>
-      </p:grpSpPr>
-      <p:sp>
-        <p:nvSpPr>
-          <p:cNvPr id="162" name="Google Shape;162;ge09c851785_0_48:notes"/>
-          <p:cNvSpPr>
-            <a:spLocks noGrp="1" noRot="1" noChangeAspect="1"/>
-          </p:cNvSpPr>
-          <p:nvPr>
-            <p:ph type="sldImg" idx="2"/>
-          </p:nvPr>
-        </p:nvSpPr>
-        <p:spPr>
-          <a:xfrm>
-            <a:off x="406400" y="696913"/>
-            <a:ext cx="6199188" cy="3486150"/>
-          </a:xfrm>
-          <a:custGeom>
-            <a:avLst/>
-            <a:gdLst/>
-            <a:ahLst/>
-            <a:cxnLst/>
-            <a:rect l="l" t="t" r="r" b="b"/>
-            <a:pathLst>
-              <a:path w="120000" h="120000" extrusionOk="0">
-                <a:moveTo>
-                  <a:pt x="0" y="0"/>
-                </a:moveTo>
-                <a:lnTo>
-                  <a:pt x="120000" y="0"/>
-                </a:lnTo>
-                <a:lnTo>
-                  <a:pt x="120000" y="120000"/>
-                </a:lnTo>
-                <a:lnTo>
-                  <a:pt x="0" y="120000"/>
-                </a:lnTo>
-                <a:close/>
-              </a:path>
-            </a:pathLst>
-          </a:custGeom>
-        </p:spPr>
-      </p:sp>
-      <p:sp>
-        <p:nvSpPr>
-          <p:cNvPr id="163" name="Google Shape;163;ge09c851785_0_48:notes"/>
-          <p:cNvSpPr txBox="1">
-            <a:spLocks noGrp="1"/>
-          </p:cNvSpPr>
-          <p:nvPr>
-            <p:ph type="body" idx="1"/>
-          </p:nvPr>
-        </p:nvSpPr>
-        <p:spPr>
-          <a:xfrm>
-            <a:off x="701040" y="4415790"/>
-            <a:ext cx="5608320" cy="4183380"/>
-          </a:xfrm>
-          <a:prstGeom prst="rect">
-            <a:avLst/>
-          </a:prstGeom>
-        </p:spPr>
-        <p:txBody>
-          <a:bodyPr spcFirstLastPara="1" wrap="square" lIns="93162" tIns="93162" rIns="93162" bIns="93162" anchor="t" anchorCtr="0">
-            <a:noAutofit/>
-          </a:bodyPr>
-          <a:lstStyle/>
-          <a:p>
-            <a:pPr marL="0" indent="0">
-              <a:buNone/>
-            </a:pPr>
-            <a:endParaRPr/>
-          </a:p>
-        </p:txBody>
-      </p:sp>
-    </p:spTree>
-  </p:cSld>
-  <p:clrMapOvr>
-    <a:masterClrMapping/>
-  </p:clrMapOvr>
-</p:notes>
-</file>
-
-<file path=ppt/notesSlides/notesSlide18.xml><?xml version="1.0" encoding="utf-8"?>
-<p:notes xmlns:a="http://schemas.openxmlformats.org/drawingml/2006/main" xmlns:r="http://schemas.openxmlformats.org/officeDocument/2006/relationships" xmlns:p="http://schemas.openxmlformats.org/presentationml/2006/main" showMasterSp="0" showMasterPhAnim="0">
-  <p:cSld>
-    <p:spTree>
-      <p:nvGrpSpPr>
-        <p:cNvPr id="1" name="Shape 168"/>
-        <p:cNvGrpSpPr/>
-        <p:nvPr/>
-      </p:nvGrpSpPr>
-      <p:grpSpPr>
-        <a:xfrm>
-          <a:off x="0" y="0"/>
-          <a:ext cx="0" cy="0"/>
-          <a:chOff x="0" y="0"/>
-          <a:chExt cx="0" cy="0"/>
-        </a:xfrm>
-      </p:grpSpPr>
-      <p:sp>
-        <p:nvSpPr>
-          <p:cNvPr id="169" name="Google Shape;169;gddd1a6640f_0_31:notes"/>
-          <p:cNvSpPr>
-            <a:spLocks noGrp="1" noRot="1" noChangeAspect="1"/>
-          </p:cNvSpPr>
-          <p:nvPr>
-            <p:ph type="sldImg" idx="2"/>
-          </p:nvPr>
-        </p:nvSpPr>
-        <p:spPr>
-          <a:xfrm>
-            <a:off x="406400" y="696913"/>
-            <a:ext cx="6199188" cy="3486150"/>
-          </a:xfrm>
-          <a:custGeom>
-            <a:avLst/>
-            <a:gdLst/>
-            <a:ahLst/>
-            <a:cxnLst/>
-            <a:rect l="l" t="t" r="r" b="b"/>
-            <a:pathLst>
-              <a:path w="120000" h="120000" extrusionOk="0">
-                <a:moveTo>
-                  <a:pt x="0" y="0"/>
-                </a:moveTo>
-                <a:lnTo>
-                  <a:pt x="120000" y="0"/>
-                </a:lnTo>
-                <a:lnTo>
-                  <a:pt x="120000" y="120000"/>
-                </a:lnTo>
-                <a:lnTo>
-                  <a:pt x="0" y="120000"/>
-                </a:lnTo>
-                <a:close/>
-              </a:path>
-            </a:pathLst>
-          </a:custGeom>
-        </p:spPr>
-      </p:sp>
-      <p:sp>
-        <p:nvSpPr>
-          <p:cNvPr id="170" name="Google Shape;170;gddd1a6640f_0_31:notes"/>
-          <p:cNvSpPr txBox="1">
-            <a:spLocks noGrp="1"/>
-          </p:cNvSpPr>
-          <p:nvPr>
-            <p:ph type="body" idx="1"/>
-          </p:nvPr>
-        </p:nvSpPr>
-        <p:spPr>
-          <a:xfrm>
-            <a:off x="701040" y="4415790"/>
-            <a:ext cx="5608320" cy="4183380"/>
-          </a:xfrm>
-          <a:prstGeom prst="rect">
-            <a:avLst/>
-          </a:prstGeom>
-        </p:spPr>
-        <p:txBody>
-          <a:bodyPr spcFirstLastPara="1" wrap="square" lIns="93162" tIns="93162" rIns="93162" bIns="93162" anchor="t" anchorCtr="0">
-            <a:noAutofit/>
-          </a:bodyPr>
-          <a:lstStyle/>
-          <a:p>
-            <a:pPr marL="0" indent="0">
-              <a:buNone/>
-            </a:pPr>
-            <a:endParaRPr/>
-          </a:p>
-        </p:txBody>
-      </p:sp>
-    </p:spTree>
-  </p:cSld>
-  <p:clrMapOvr>
-    <a:masterClrMapping/>
-  </p:clrMapOvr>
-</p:notes>
-</file>
-
-<file path=ppt/notesSlides/notesSlide19.xml><?xml version="1.0" encoding="utf-8"?>
-<p:notes xmlns:a="http://schemas.openxmlformats.org/drawingml/2006/main" xmlns:r="http://schemas.openxmlformats.org/officeDocument/2006/relationships" xmlns:p="http://schemas.openxmlformats.org/presentationml/2006/main" showMasterSp="0" showMasterPhAnim="0">
-  <p:cSld>
-    <p:spTree>
-      <p:nvGrpSpPr>
-        <p:cNvPr id="1" name="Shape 174"/>
-        <p:cNvGrpSpPr/>
-        <p:nvPr/>
-      </p:nvGrpSpPr>
-      <p:grpSpPr>
-        <a:xfrm>
-          <a:off x="0" y="0"/>
-          <a:ext cx="0" cy="0"/>
-          <a:chOff x="0" y="0"/>
-          <a:chExt cx="0" cy="0"/>
-        </a:xfrm>
-      </p:grpSpPr>
-      <p:sp>
-        <p:nvSpPr>
-          <p:cNvPr id="175" name="Google Shape;175;gddd1a6640f_0_36:notes"/>
-          <p:cNvSpPr>
-            <a:spLocks noGrp="1" noRot="1" noChangeAspect="1"/>
-          </p:cNvSpPr>
-          <p:nvPr>
-            <p:ph type="sldImg" idx="2"/>
-          </p:nvPr>
-        </p:nvSpPr>
-        <p:spPr>
-          <a:xfrm>
-            <a:off x="406400" y="696913"/>
-            <a:ext cx="6199188" cy="3486150"/>
-          </a:xfrm>
-          <a:custGeom>
-            <a:avLst/>
-            <a:gdLst/>
-            <a:ahLst/>
-            <a:cxnLst/>
-            <a:rect l="l" t="t" r="r" b="b"/>
-            <a:pathLst>
-              <a:path w="120000" h="120000" extrusionOk="0">
-                <a:moveTo>
-                  <a:pt x="0" y="0"/>
-                </a:moveTo>
-                <a:lnTo>
-                  <a:pt x="120000" y="0"/>
-                </a:lnTo>
-                <a:lnTo>
-                  <a:pt x="120000" y="120000"/>
-                </a:lnTo>
-                <a:lnTo>
-                  <a:pt x="0" y="120000"/>
-                </a:lnTo>
-                <a:close/>
-              </a:path>
-            </a:pathLst>
-          </a:custGeom>
-        </p:spPr>
-      </p:sp>
-      <p:sp>
-        <p:nvSpPr>
-          <p:cNvPr id="176" name="Google Shape;176;gddd1a6640f_0_36:notes"/>
-          <p:cNvSpPr txBox="1">
-            <a:spLocks noGrp="1"/>
-          </p:cNvSpPr>
-          <p:nvPr>
-            <p:ph type="body" idx="1"/>
-          </p:nvPr>
-        </p:nvSpPr>
-        <p:spPr>
-          <a:xfrm>
-            <a:off x="701040" y="4415790"/>
-            <a:ext cx="5608320" cy="4183380"/>
-          </a:xfrm>
-          <a:prstGeom prst="rect">
-            <a:avLst/>
-          </a:prstGeom>
-        </p:spPr>
-        <p:txBody>
-          <a:bodyPr spcFirstLastPara="1" wrap="square" lIns="93162" tIns="93162" rIns="93162" bIns="93162" anchor="t" anchorCtr="0">
-            <a:noAutofit/>
-          </a:bodyPr>
-          <a:lstStyle/>
-          <a:p>
-            <a:pPr marL="0" indent="0">
-              <a:buNone/>
-            </a:pPr>
-            <a:endParaRPr/>
-          </a:p>
-        </p:txBody>
-      </p:sp>
-    </p:spTree>
-  </p:cSld>
-  <p:clrMapOvr>
-    <a:masterClrMapping/>
-  </p:clrMapOvr>
-</p:notes>
-</file>
-
-<file path=ppt/notesSlides/notesSlide2.xml><?xml version="1.0" encoding="utf-8"?>
-<p:notes xmlns:a="http://schemas.openxmlformats.org/drawingml/2006/main" xmlns:r="http://schemas.openxmlformats.org/officeDocument/2006/relationships" xmlns:p="http://schemas.openxmlformats.org/presentationml/2006/main" showMasterSp="0" showMasterPhAnim="0">
-  <p:cSld>
-    <p:spTree>
-      <p:nvGrpSpPr>
-        <p:cNvPr id="1" name="Shape 61"/>
-        <p:cNvGrpSpPr/>
-        <p:nvPr/>
-      </p:nvGrpSpPr>
-      <p:grpSpPr>
-        <a:xfrm>
-          <a:off x="0" y="0"/>
-          <a:ext cx="0" cy="0"/>
-          <a:chOff x="0" y="0"/>
-          <a:chExt cx="0" cy="0"/>
-        </a:xfrm>
-      </p:grpSpPr>
-      <p:sp>
-        <p:nvSpPr>
-          <p:cNvPr id="62" name="Google Shape;62;gddb1725197_0_0:notes"/>
-          <p:cNvSpPr>
-            <a:spLocks noGrp="1" noRot="1" noChangeAspect="1"/>
-          </p:cNvSpPr>
-          <p:nvPr>
-            <p:ph type="sldImg" idx="2"/>
-          </p:nvPr>
-        </p:nvSpPr>
-        <p:spPr>
-          <a:xfrm>
-            <a:off x="406400" y="696913"/>
-            <a:ext cx="6199188" cy="3486150"/>
-          </a:xfrm>
-          <a:custGeom>
-            <a:avLst/>
-            <a:gdLst/>
-            <a:ahLst/>
-            <a:cxnLst/>
-            <a:rect l="l" t="t" r="r" b="b"/>
-            <a:pathLst>
-              <a:path w="120000" h="120000" extrusionOk="0">
-                <a:moveTo>
-                  <a:pt x="0" y="0"/>
-                </a:moveTo>
-                <a:lnTo>
-                  <a:pt x="120000" y="0"/>
-                </a:lnTo>
-                <a:lnTo>
-                  <a:pt x="120000" y="120000"/>
-                </a:lnTo>
-                <a:lnTo>
-                  <a:pt x="0" y="120000"/>
-                </a:lnTo>
-                <a:close/>
-              </a:path>
-            </a:pathLst>
-          </a:custGeom>
-        </p:spPr>
-      </p:sp>
-      <p:sp>
-        <p:nvSpPr>
-          <p:cNvPr id="63" name="Google Shape;63;gddb1725197_0_0:notes"/>
-          <p:cNvSpPr txBox="1">
-            <a:spLocks noGrp="1"/>
-          </p:cNvSpPr>
-          <p:nvPr>
-            <p:ph type="body" idx="1"/>
-          </p:nvPr>
-        </p:nvSpPr>
-        <p:spPr>
-          <a:xfrm>
-            <a:off x="701040" y="4415790"/>
-            <a:ext cx="5608320" cy="4183380"/>
-          </a:xfrm>
-          <a:prstGeom prst="rect">
-            <a:avLst/>
-          </a:prstGeom>
-        </p:spPr>
-        <p:txBody>
-          <a:bodyPr spcFirstLastPara="1" wrap="square" lIns="93162" tIns="93162" rIns="93162" bIns="93162" anchor="t" anchorCtr="0">
-            <a:noAutofit/>
-          </a:bodyPr>
-          <a:lstStyle/>
-          <a:p>
-            <a:pPr marL="0" indent="0">
-              <a:buNone/>
-            </a:pPr>
-            <a:endParaRPr/>
-          </a:p>
-        </p:txBody>
-      </p:sp>
-    </p:spTree>
-  </p:cSld>
-  <p:clrMapOvr>
-    <a:masterClrMapping/>
-  </p:clrMapOvr>
-</p:notes>
-</file>
-
-<file path=ppt/notesSlides/notesSlide20.xml><?xml version="1.0" encoding="utf-8"?>
-<p:notes xmlns:a="http://schemas.openxmlformats.org/drawingml/2006/main" xmlns:r="http://schemas.openxmlformats.org/officeDocument/2006/relationships" xmlns:p="http://schemas.openxmlformats.org/presentationml/2006/main" showMasterSp="0" showMasterPhAnim="0">
-  <p:cSld>
-    <p:spTree>
-      <p:nvGrpSpPr>
-        <p:cNvPr id="1" name="Shape 180"/>
-        <p:cNvGrpSpPr/>
-        <p:nvPr/>
-      </p:nvGrpSpPr>
-      <p:grpSpPr>
-        <a:xfrm>
-          <a:off x="0" y="0"/>
-          <a:ext cx="0" cy="0"/>
-          <a:chOff x="0" y="0"/>
-          <a:chExt cx="0" cy="0"/>
-        </a:xfrm>
-      </p:grpSpPr>
-      <p:sp>
-        <p:nvSpPr>
-          <p:cNvPr id="181" name="Google Shape;181;gddd1a6640f_0_41:notes"/>
-          <p:cNvSpPr>
-            <a:spLocks noGrp="1" noRot="1" noChangeAspect="1"/>
-          </p:cNvSpPr>
-          <p:nvPr>
-            <p:ph type="sldImg" idx="2"/>
-          </p:nvPr>
-        </p:nvSpPr>
-        <p:spPr>
-          <a:xfrm>
-            <a:off x="406400" y="696913"/>
-            <a:ext cx="6199188" cy="3486150"/>
-          </a:xfrm>
-          <a:custGeom>
-            <a:avLst/>
-            <a:gdLst/>
-            <a:ahLst/>
-            <a:cxnLst/>
-            <a:rect l="l" t="t" r="r" b="b"/>
-            <a:pathLst>
-              <a:path w="120000" h="120000" extrusionOk="0">
-                <a:moveTo>
-                  <a:pt x="0" y="0"/>
-                </a:moveTo>
-                <a:lnTo>
-                  <a:pt x="120000" y="0"/>
-                </a:lnTo>
-                <a:lnTo>
-                  <a:pt x="120000" y="120000"/>
-                </a:lnTo>
-                <a:lnTo>
-                  <a:pt x="0" y="120000"/>
-                </a:lnTo>
-                <a:close/>
-              </a:path>
-            </a:pathLst>
-          </a:custGeom>
-        </p:spPr>
-      </p:sp>
-      <p:sp>
-        <p:nvSpPr>
-          <p:cNvPr id="182" name="Google Shape;182;gddd1a6640f_0_41:notes"/>
-          <p:cNvSpPr txBox="1">
-            <a:spLocks noGrp="1"/>
-          </p:cNvSpPr>
-          <p:nvPr>
-            <p:ph type="body" idx="1"/>
-          </p:nvPr>
-        </p:nvSpPr>
-        <p:spPr>
-          <a:xfrm>
-            <a:off x="701040" y="4415790"/>
-            <a:ext cx="5608320" cy="4183380"/>
-          </a:xfrm>
-          <a:prstGeom prst="rect">
-            <a:avLst/>
-          </a:prstGeom>
-        </p:spPr>
-        <p:txBody>
-          <a:bodyPr spcFirstLastPara="1" wrap="square" lIns="93162" tIns="93162" rIns="93162" bIns="93162" anchor="t" anchorCtr="0">
-            <a:noAutofit/>
-          </a:bodyPr>
-          <a:lstStyle/>
-          <a:p>
-            <a:pPr marL="0" indent="0">
-              <a:buNone/>
-            </a:pPr>
-            <a:endParaRPr/>
-          </a:p>
-        </p:txBody>
-      </p:sp>
-    </p:spTree>
-  </p:cSld>
-  <p:clrMapOvr>
-    <a:masterClrMapping/>
-  </p:clrMapOvr>
-</p:notes>
-</file>
-
-<file path=ppt/notesSlides/notesSlide21.xml><?xml version="1.0" encoding="utf-8"?>
-<p:notes xmlns:a="http://schemas.openxmlformats.org/drawingml/2006/main" xmlns:r="http://schemas.openxmlformats.org/officeDocument/2006/relationships" xmlns:p="http://schemas.openxmlformats.org/presentationml/2006/main" showMasterSp="0" showMasterPhAnim="0">
-  <p:cSld>
-    <p:spTree>
-      <p:nvGrpSpPr>
-        <p:cNvPr id="1" name="Shape 186"/>
-        <p:cNvGrpSpPr/>
-        <p:nvPr/>
-      </p:nvGrpSpPr>
-      <p:grpSpPr>
-        <a:xfrm>
-          <a:off x="0" y="0"/>
-          <a:ext cx="0" cy="0"/>
-          <a:chOff x="0" y="0"/>
-          <a:chExt cx="0" cy="0"/>
-        </a:xfrm>
-      </p:grpSpPr>
-      <p:sp>
-        <p:nvSpPr>
-          <p:cNvPr id="187" name="Google Shape;187;gddd1a6640f_0_46:notes"/>
-          <p:cNvSpPr>
-            <a:spLocks noGrp="1" noRot="1" noChangeAspect="1"/>
-          </p:cNvSpPr>
-          <p:nvPr>
-            <p:ph type="sldImg" idx="2"/>
-          </p:nvPr>
-        </p:nvSpPr>
-        <p:spPr>
-          <a:xfrm>
-            <a:off x="406400" y="696913"/>
-            <a:ext cx="6199188" cy="3486150"/>
-          </a:xfrm>
-          <a:custGeom>
-            <a:avLst/>
-            <a:gdLst/>
-            <a:ahLst/>
-            <a:cxnLst/>
-            <a:rect l="l" t="t" r="r" b="b"/>
-            <a:pathLst>
-              <a:path w="120000" h="120000" extrusionOk="0">
-                <a:moveTo>
-                  <a:pt x="0" y="0"/>
-                </a:moveTo>
-                <a:lnTo>
-                  <a:pt x="120000" y="0"/>
-                </a:lnTo>
-                <a:lnTo>
-                  <a:pt x="120000" y="120000"/>
-                </a:lnTo>
-                <a:lnTo>
-                  <a:pt x="0" y="120000"/>
-                </a:lnTo>
-                <a:close/>
-              </a:path>
-            </a:pathLst>
-          </a:custGeom>
-        </p:spPr>
-      </p:sp>
-      <p:sp>
-        <p:nvSpPr>
-          <p:cNvPr id="188" name="Google Shape;188;gddd1a6640f_0_46:notes"/>
-          <p:cNvSpPr txBox="1">
-            <a:spLocks noGrp="1"/>
-          </p:cNvSpPr>
-          <p:nvPr>
-            <p:ph type="body" idx="1"/>
-          </p:nvPr>
-        </p:nvSpPr>
-        <p:spPr>
-          <a:xfrm>
-            <a:off x="701040" y="4415790"/>
-            <a:ext cx="5608320" cy="4183380"/>
-          </a:xfrm>
-          <a:prstGeom prst="rect">
-            <a:avLst/>
-          </a:prstGeom>
-        </p:spPr>
-        <p:txBody>
-          <a:bodyPr spcFirstLastPara="1" wrap="square" lIns="93162" tIns="93162" rIns="93162" bIns="93162" anchor="t" anchorCtr="0">
-            <a:noAutofit/>
-          </a:bodyPr>
-          <a:lstStyle/>
-          <a:p>
-            <a:pPr marL="0" indent="0">
-              <a:buNone/>
-            </a:pPr>
-            <a:endParaRPr/>
-          </a:p>
-        </p:txBody>
-      </p:sp>
-    </p:spTree>
-  </p:cSld>
-  <p:clrMapOvr>
-    <a:masterClrMapping/>
-  </p:clrMapOvr>
-</p:notes>
-</file>
-
-<file path=ppt/notesSlides/notesSlide3.xml><?xml version="1.0" encoding="utf-8"?>
-<p:notes xmlns:a="http://schemas.openxmlformats.org/drawingml/2006/main" xmlns:r="http://schemas.openxmlformats.org/officeDocument/2006/relationships" xmlns:p="http://schemas.openxmlformats.org/presentationml/2006/main" showMasterSp="0" showMasterPhAnim="0">
-  <p:cSld>
-    <p:spTree>
-      <p:nvGrpSpPr>
-        <p:cNvPr id="1" name="Shape 67"/>
-        <p:cNvGrpSpPr/>
-        <p:nvPr/>
-      </p:nvGrpSpPr>
-      <p:grpSpPr>
-        <a:xfrm>
-          <a:off x="0" y="0"/>
-          <a:ext cx="0" cy="0"/>
-          <a:chOff x="0" y="0"/>
-          <a:chExt cx="0" cy="0"/>
-        </a:xfrm>
-      </p:grpSpPr>
-      <p:sp>
-        <p:nvSpPr>
-          <p:cNvPr id="68" name="Google Shape;68;gddb1725197_0_310:notes"/>
-          <p:cNvSpPr>
-            <a:spLocks noGrp="1" noRot="1" noChangeAspect="1"/>
-          </p:cNvSpPr>
-          <p:nvPr>
-            <p:ph type="sldImg" idx="2"/>
-          </p:nvPr>
-        </p:nvSpPr>
-        <p:spPr>
-          <a:xfrm>
-            <a:off x="406400" y="696913"/>
-            <a:ext cx="6199188" cy="3486150"/>
-          </a:xfrm>
-          <a:custGeom>
-            <a:avLst/>
-            <a:gdLst/>
-            <a:ahLst/>
-            <a:cxnLst/>
-            <a:rect l="l" t="t" r="r" b="b"/>
-            <a:pathLst>
-              <a:path w="120000" h="120000" extrusionOk="0">
-                <a:moveTo>
-                  <a:pt x="0" y="0"/>
-                </a:moveTo>
-                <a:lnTo>
-                  <a:pt x="120000" y="0"/>
-                </a:lnTo>
-                <a:lnTo>
-                  <a:pt x="120000" y="120000"/>
-                </a:lnTo>
-                <a:lnTo>
-                  <a:pt x="0" y="120000"/>
-                </a:lnTo>
-                <a:close/>
-              </a:path>
-            </a:pathLst>
-          </a:custGeom>
-        </p:spPr>
-      </p:sp>
-      <p:sp>
-        <p:nvSpPr>
-          <p:cNvPr id="69" name="Google Shape;69;gddb1725197_0_310:notes"/>
-          <p:cNvSpPr txBox="1">
-            <a:spLocks noGrp="1"/>
-          </p:cNvSpPr>
-          <p:nvPr>
-            <p:ph type="body" idx="1"/>
-          </p:nvPr>
-        </p:nvSpPr>
-        <p:spPr>
-          <a:xfrm>
-            <a:off x="701040" y="4415790"/>
-            <a:ext cx="5608320" cy="4183380"/>
-          </a:xfrm>
-          <a:prstGeom prst="rect">
-            <a:avLst/>
-          </a:prstGeom>
-        </p:spPr>
-        <p:txBody>
-          <a:bodyPr spcFirstLastPara="1" wrap="square" lIns="93162" tIns="93162" rIns="93162" bIns="93162" anchor="t" anchorCtr="0">
-            <a:noAutofit/>
-          </a:bodyPr>
-          <a:lstStyle/>
-          <a:p>
-            <a:pPr marL="0" indent="0">
-              <a:buNone/>
-            </a:pPr>
-            <a:endParaRPr/>
-          </a:p>
-        </p:txBody>
-      </p:sp>
-    </p:spTree>
-  </p:cSld>
-  <p:clrMapOvr>
-    <a:masterClrMapping/>
-  </p:clrMapOvr>
-</p:notes>
-</file>
-
-<file path=ppt/notesSlides/notesSlide4.xml><?xml version="1.0" encoding="utf-8"?>
-<p:notes xmlns:a="http://schemas.openxmlformats.org/drawingml/2006/main" xmlns:r="http://schemas.openxmlformats.org/officeDocument/2006/relationships" xmlns:p="http://schemas.openxmlformats.org/presentationml/2006/main" showMasterSp="0" showMasterPhAnim="0">
-  <p:cSld>
-    <p:spTree>
-      <p:nvGrpSpPr>
-        <p:cNvPr id="1" name="Shape 73"/>
-        <p:cNvGrpSpPr/>
-        <p:nvPr/>
-      </p:nvGrpSpPr>
-      <p:grpSpPr>
-        <a:xfrm>
-          <a:off x="0" y="0"/>
-          <a:ext cx="0" cy="0"/>
-          <a:chOff x="0" y="0"/>
-          <a:chExt cx="0" cy="0"/>
-        </a:xfrm>
-      </p:grpSpPr>
-      <p:sp>
-        <p:nvSpPr>
-          <p:cNvPr id="74" name="Google Shape;74;gddb1725197_0_335:notes"/>
-          <p:cNvSpPr>
-            <a:spLocks noGrp="1" noRot="1" noChangeAspect="1"/>
-          </p:cNvSpPr>
-          <p:nvPr>
-            <p:ph type="sldImg" idx="2"/>
-          </p:nvPr>
-        </p:nvSpPr>
-        <p:spPr>
-          <a:xfrm>
-            <a:off x="406400" y="696913"/>
-            <a:ext cx="6199188" cy="3486150"/>
-          </a:xfrm>
-          <a:custGeom>
-            <a:avLst/>
-            <a:gdLst/>
-            <a:ahLst/>
-            <a:cxnLst/>
-            <a:rect l="l" t="t" r="r" b="b"/>
-            <a:pathLst>
-              <a:path w="120000" h="120000" extrusionOk="0">
-                <a:moveTo>
-                  <a:pt x="0" y="0"/>
-                </a:moveTo>
-                <a:lnTo>
-                  <a:pt x="120000" y="0"/>
-                </a:lnTo>
-                <a:lnTo>
-                  <a:pt x="120000" y="120000"/>
-                </a:lnTo>
-                <a:lnTo>
-                  <a:pt x="0" y="120000"/>
-                </a:lnTo>
-                <a:close/>
-              </a:path>
-            </a:pathLst>
-          </a:custGeom>
-        </p:spPr>
-      </p:sp>
-      <p:sp>
-        <p:nvSpPr>
-          <p:cNvPr id="75" name="Google Shape;75;gddb1725197_0_335:notes"/>
-          <p:cNvSpPr txBox="1">
-            <a:spLocks noGrp="1"/>
-          </p:cNvSpPr>
-          <p:nvPr>
-            <p:ph type="body" idx="1"/>
-          </p:nvPr>
-        </p:nvSpPr>
-        <p:spPr>
-          <a:xfrm>
-            <a:off x="701040" y="4415790"/>
-            <a:ext cx="5608320" cy="4183380"/>
-          </a:xfrm>
-          <a:prstGeom prst="rect">
-            <a:avLst/>
-          </a:prstGeom>
-        </p:spPr>
-        <p:txBody>
-          <a:bodyPr spcFirstLastPara="1" wrap="square" lIns="93162" tIns="93162" rIns="93162" bIns="93162" anchor="t" anchorCtr="0">
-            <a:noAutofit/>
-          </a:bodyPr>
-          <a:lstStyle/>
-          <a:p>
-            <a:pPr marL="0" indent="0">
-              <a:buNone/>
-            </a:pPr>
-            <a:endParaRPr/>
-          </a:p>
-        </p:txBody>
-      </p:sp>
-    </p:spTree>
-  </p:cSld>
-  <p:clrMapOvr>
-    <a:masterClrMapping/>
-  </p:clrMapOvr>
-</p:notes>
-</file>
-
-<file path=ppt/notesSlides/notesSlide5.xml><?xml version="1.0" encoding="utf-8"?>
-<p:notes xmlns:a="http://schemas.openxmlformats.org/drawingml/2006/main" xmlns:r="http://schemas.openxmlformats.org/officeDocument/2006/relationships" xmlns:p="http://schemas.openxmlformats.org/presentationml/2006/main" showMasterSp="0" showMasterPhAnim="0">
-  <p:cSld>
-    <p:spTree>
-      <p:nvGrpSpPr>
-        <p:cNvPr id="1" name="Shape 79"/>
-        <p:cNvGrpSpPr/>
-        <p:nvPr/>
-      </p:nvGrpSpPr>
-      <p:grpSpPr>
-        <a:xfrm>
-          <a:off x="0" y="0"/>
-          <a:ext cx="0" cy="0"/>
-          <a:chOff x="0" y="0"/>
-          <a:chExt cx="0" cy="0"/>
-        </a:xfrm>
-      </p:grpSpPr>
-      <p:sp>
-        <p:nvSpPr>
-          <p:cNvPr id="80" name="Google Shape;80;gddb1725197_0_330:notes"/>
-          <p:cNvSpPr>
-            <a:spLocks noGrp="1" noRot="1" noChangeAspect="1"/>
-          </p:cNvSpPr>
-          <p:nvPr>
-            <p:ph type="sldImg" idx="2"/>
-          </p:nvPr>
-        </p:nvSpPr>
-        <p:spPr>
-          <a:xfrm>
-            <a:off x="406400" y="696913"/>
-            <a:ext cx="6199188" cy="3486150"/>
-          </a:xfrm>
-          <a:custGeom>
-            <a:avLst/>
-            <a:gdLst/>
-            <a:ahLst/>
-            <a:cxnLst/>
-            <a:rect l="l" t="t" r="r" b="b"/>
-            <a:pathLst>
-              <a:path w="120000" h="120000" extrusionOk="0">
-                <a:moveTo>
-                  <a:pt x="0" y="0"/>
-                </a:moveTo>
-                <a:lnTo>
-                  <a:pt x="120000" y="0"/>
-                </a:lnTo>
-                <a:lnTo>
-                  <a:pt x="120000" y="120000"/>
-                </a:lnTo>
-                <a:lnTo>
-                  <a:pt x="0" y="120000"/>
-                </a:lnTo>
-                <a:close/>
-              </a:path>
-            </a:pathLst>
-          </a:custGeom>
-        </p:spPr>
-      </p:sp>
-      <p:sp>
-        <p:nvSpPr>
-          <p:cNvPr id="81" name="Google Shape;81;gddb1725197_0_330:notes"/>
-          <p:cNvSpPr txBox="1">
-            <a:spLocks noGrp="1"/>
-          </p:cNvSpPr>
-          <p:nvPr>
-            <p:ph type="body" idx="1"/>
-          </p:nvPr>
-        </p:nvSpPr>
-        <p:spPr>
-          <a:xfrm>
-            <a:off x="701040" y="4415790"/>
-            <a:ext cx="5608320" cy="4183380"/>
-          </a:xfrm>
-          <a:prstGeom prst="rect">
-            <a:avLst/>
-          </a:prstGeom>
-        </p:spPr>
-        <p:txBody>
-          <a:bodyPr spcFirstLastPara="1" wrap="square" lIns="93162" tIns="93162" rIns="93162" bIns="93162" anchor="t" anchorCtr="0">
-            <a:noAutofit/>
-          </a:bodyPr>
-          <a:lstStyle/>
-          <a:p>
-            <a:pPr marL="0" indent="0">
-              <a:buNone/>
-            </a:pPr>
-            <a:endParaRPr/>
-          </a:p>
-        </p:txBody>
-      </p:sp>
-    </p:spTree>
-  </p:cSld>
-  <p:clrMapOvr>
-    <a:masterClrMapping/>
-  </p:clrMapOvr>
-</p:notes>
-</file>
-
-<file path=ppt/notesSlides/notesSlide6.xml><?xml version="1.0" encoding="utf-8"?>
-<p:notes xmlns:a="http://schemas.openxmlformats.org/drawingml/2006/main" xmlns:r="http://schemas.openxmlformats.org/officeDocument/2006/relationships" xmlns:p="http://schemas.openxmlformats.org/presentationml/2006/main" showMasterSp="0" showMasterPhAnim="0">
-  <p:cSld>
-    <p:spTree>
-      <p:nvGrpSpPr>
-        <p:cNvPr id="1" name="Shape 85"/>
-        <p:cNvGrpSpPr/>
-        <p:nvPr/>
-      </p:nvGrpSpPr>
-      <p:grpSpPr>
-        <a:xfrm>
-          <a:off x="0" y="0"/>
-          <a:ext cx="0" cy="0"/>
-          <a:chOff x="0" y="0"/>
-          <a:chExt cx="0" cy="0"/>
-        </a:xfrm>
-      </p:grpSpPr>
-      <p:sp>
-        <p:nvSpPr>
-          <p:cNvPr id="86" name="Google Shape;86;gddb1725197_0_325:notes"/>
-          <p:cNvSpPr>
-            <a:spLocks noGrp="1" noRot="1" noChangeAspect="1"/>
-          </p:cNvSpPr>
-          <p:nvPr>
-            <p:ph type="sldImg" idx="2"/>
-          </p:nvPr>
-        </p:nvSpPr>
-        <p:spPr>
-          <a:xfrm>
-            <a:off x="406400" y="696913"/>
-            <a:ext cx="6199188" cy="3486150"/>
-          </a:xfrm>
-          <a:custGeom>
-            <a:avLst/>
-            <a:gdLst/>
-            <a:ahLst/>
-            <a:cxnLst/>
-            <a:rect l="l" t="t" r="r" b="b"/>
-            <a:pathLst>
-              <a:path w="120000" h="120000" extrusionOk="0">
-                <a:moveTo>
-                  <a:pt x="0" y="0"/>
-                </a:moveTo>
-                <a:lnTo>
-                  <a:pt x="120000" y="0"/>
-                </a:lnTo>
-                <a:lnTo>
-                  <a:pt x="120000" y="120000"/>
-                </a:lnTo>
-                <a:lnTo>
-                  <a:pt x="0" y="120000"/>
-                </a:lnTo>
-                <a:close/>
-              </a:path>
-            </a:pathLst>
-          </a:custGeom>
-        </p:spPr>
-      </p:sp>
-      <p:sp>
-        <p:nvSpPr>
-          <p:cNvPr id="87" name="Google Shape;87;gddb1725197_0_325:notes"/>
-          <p:cNvSpPr txBox="1">
-            <a:spLocks noGrp="1"/>
-          </p:cNvSpPr>
-          <p:nvPr>
-            <p:ph type="body" idx="1"/>
-          </p:nvPr>
-        </p:nvSpPr>
-        <p:spPr>
-          <a:xfrm>
-            <a:off x="701040" y="4415790"/>
-            <a:ext cx="5608320" cy="4183380"/>
-          </a:xfrm>
-          <a:prstGeom prst="rect">
-            <a:avLst/>
-          </a:prstGeom>
-        </p:spPr>
-        <p:txBody>
-          <a:bodyPr spcFirstLastPara="1" wrap="square" lIns="93162" tIns="93162" rIns="93162" bIns="93162" anchor="t" anchorCtr="0">
-            <a:noAutofit/>
-          </a:bodyPr>
-          <a:lstStyle/>
-          <a:p>
-            <a:pPr marL="0" indent="0">
-              <a:buNone/>
-            </a:pPr>
-            <a:endParaRPr/>
-          </a:p>
-        </p:txBody>
-      </p:sp>
-    </p:spTree>
-  </p:cSld>
-  <p:clrMapOvr>
-    <a:masterClrMapping/>
-  </p:clrMapOvr>
-</p:notes>
-</file>
-
-<file path=ppt/notesSlides/notesSlide7.xml><?xml version="1.0" encoding="utf-8"?>
-<p:notes xmlns:a="http://schemas.openxmlformats.org/drawingml/2006/main" xmlns:r="http://schemas.openxmlformats.org/officeDocument/2006/relationships" xmlns:p="http://schemas.openxmlformats.org/presentationml/2006/main" showMasterSp="0" showMasterPhAnim="0">
-  <p:cSld>
-    <p:spTree>
-      <p:nvGrpSpPr>
-        <p:cNvPr id="1" name="Shape 94"/>
-        <p:cNvGrpSpPr/>
-        <p:nvPr/>
-      </p:nvGrpSpPr>
-      <p:grpSpPr>
-        <a:xfrm>
-          <a:off x="0" y="0"/>
-          <a:ext cx="0" cy="0"/>
-          <a:chOff x="0" y="0"/>
-          <a:chExt cx="0" cy="0"/>
-        </a:xfrm>
-      </p:grpSpPr>
-      <p:sp>
-        <p:nvSpPr>
-          <p:cNvPr id="95" name="Google Shape;95;gddb1725197_0_320:notes"/>
-          <p:cNvSpPr>
-            <a:spLocks noGrp="1" noRot="1" noChangeAspect="1"/>
-          </p:cNvSpPr>
-          <p:nvPr>
-            <p:ph type="sldImg" idx="2"/>
-          </p:nvPr>
-        </p:nvSpPr>
-        <p:spPr>
-          <a:xfrm>
-            <a:off x="406400" y="696913"/>
-            <a:ext cx="6199188" cy="3486150"/>
-          </a:xfrm>
-          <a:custGeom>
-            <a:avLst/>
-            <a:gdLst/>
-            <a:ahLst/>
-            <a:cxnLst/>
-            <a:rect l="l" t="t" r="r" b="b"/>
-            <a:pathLst>
-              <a:path w="120000" h="120000" extrusionOk="0">
-                <a:moveTo>
-                  <a:pt x="0" y="0"/>
-                </a:moveTo>
-                <a:lnTo>
-                  <a:pt x="120000" y="0"/>
-                </a:lnTo>
-                <a:lnTo>
-                  <a:pt x="120000" y="120000"/>
-                </a:lnTo>
-                <a:lnTo>
-                  <a:pt x="0" y="120000"/>
-                </a:lnTo>
-                <a:close/>
-              </a:path>
-            </a:pathLst>
-          </a:custGeom>
-        </p:spPr>
-      </p:sp>
-      <p:sp>
-        <p:nvSpPr>
-          <p:cNvPr id="96" name="Google Shape;96;gddb1725197_0_320:notes"/>
-          <p:cNvSpPr txBox="1">
-            <a:spLocks noGrp="1"/>
-          </p:cNvSpPr>
-          <p:nvPr>
-            <p:ph type="body" idx="1"/>
-          </p:nvPr>
-        </p:nvSpPr>
-        <p:spPr>
-          <a:xfrm>
-            <a:off x="701040" y="4415790"/>
-            <a:ext cx="5608320" cy="4183380"/>
-          </a:xfrm>
-          <a:prstGeom prst="rect">
-            <a:avLst/>
-          </a:prstGeom>
-        </p:spPr>
-        <p:txBody>
-          <a:bodyPr spcFirstLastPara="1" wrap="square" lIns="93162" tIns="93162" rIns="93162" bIns="93162" anchor="t" anchorCtr="0">
-            <a:noAutofit/>
-          </a:bodyPr>
-          <a:lstStyle/>
-          <a:p>
-            <a:pPr marL="0" indent="0">
-              <a:buNone/>
-            </a:pPr>
-            <a:endParaRPr/>
-          </a:p>
-        </p:txBody>
-      </p:sp>
-    </p:spTree>
-  </p:cSld>
-  <p:clrMapOvr>
-    <a:masterClrMapping/>
-  </p:clrMapOvr>
-</p:notes>
-</file>
-
-<file path=ppt/notesSlides/notesSlide8.xml><?xml version="1.0" encoding="utf-8"?>
-<p:notes xmlns:a="http://schemas.openxmlformats.org/drawingml/2006/main" xmlns:r="http://schemas.openxmlformats.org/officeDocument/2006/relationships" xmlns:p="http://schemas.openxmlformats.org/presentationml/2006/main" showMasterSp="0" showMasterPhAnim="0">
-  <p:cSld>
-    <p:spTree>
-      <p:nvGrpSpPr>
-        <p:cNvPr id="1" name="Shape 101"/>
-        <p:cNvGrpSpPr/>
-        <p:nvPr/>
-      </p:nvGrpSpPr>
-      <p:grpSpPr>
-        <a:xfrm>
-          <a:off x="0" y="0"/>
-          <a:ext cx="0" cy="0"/>
-          <a:chOff x="0" y="0"/>
-          <a:chExt cx="0" cy="0"/>
-        </a:xfrm>
-      </p:grpSpPr>
-      <p:sp>
-        <p:nvSpPr>
-          <p:cNvPr id="102" name="Google Shape;102;ge09c851785_0_10:notes"/>
-          <p:cNvSpPr>
-            <a:spLocks noGrp="1" noRot="1" noChangeAspect="1"/>
-          </p:cNvSpPr>
-          <p:nvPr>
-            <p:ph type="sldImg" idx="2"/>
-          </p:nvPr>
-        </p:nvSpPr>
-        <p:spPr>
-          <a:xfrm>
-            <a:off x="406400" y="696913"/>
-            <a:ext cx="6199188" cy="3486150"/>
-          </a:xfrm>
-          <a:custGeom>
-            <a:avLst/>
-            <a:gdLst/>
-            <a:ahLst/>
-            <a:cxnLst/>
-            <a:rect l="l" t="t" r="r" b="b"/>
-            <a:pathLst>
-              <a:path w="120000" h="120000" extrusionOk="0">
-                <a:moveTo>
-                  <a:pt x="0" y="0"/>
-                </a:moveTo>
-                <a:lnTo>
-                  <a:pt x="120000" y="0"/>
-                </a:lnTo>
-                <a:lnTo>
-                  <a:pt x="120000" y="120000"/>
-                </a:lnTo>
-                <a:lnTo>
-                  <a:pt x="0" y="120000"/>
-                </a:lnTo>
-                <a:close/>
-              </a:path>
-            </a:pathLst>
-          </a:custGeom>
-        </p:spPr>
-      </p:sp>
-      <p:sp>
-        <p:nvSpPr>
-          <p:cNvPr id="103" name="Google Shape;103;ge09c851785_0_10:notes"/>
-          <p:cNvSpPr txBox="1">
-            <a:spLocks noGrp="1"/>
-          </p:cNvSpPr>
-          <p:nvPr>
-            <p:ph type="body" idx="1"/>
-          </p:nvPr>
-        </p:nvSpPr>
-        <p:spPr>
-          <a:xfrm>
-            <a:off x="701040" y="4415790"/>
-            <a:ext cx="5608320" cy="4183380"/>
-          </a:xfrm>
-          <a:prstGeom prst="rect">
-            <a:avLst/>
-          </a:prstGeom>
-        </p:spPr>
-        <p:txBody>
-          <a:bodyPr spcFirstLastPara="1" wrap="square" lIns="93162" tIns="93162" rIns="93162" bIns="93162" anchor="t" anchorCtr="0">
-            <a:noAutofit/>
-          </a:bodyPr>
-          <a:lstStyle/>
-          <a:p>
-            <a:pPr marL="0" indent="0">
-              <a:buNone/>
-            </a:pPr>
-            <a:endParaRPr/>
-          </a:p>
-        </p:txBody>
-      </p:sp>
-    </p:spTree>
-  </p:cSld>
-  <p:clrMapOvr>
-    <a:masterClrMapping/>
-  </p:clrMapOvr>
-</p:notes>
-</file>
-
-<file path=ppt/notesSlides/notesSlide9.xml><?xml version="1.0" encoding="utf-8"?>
-<p:notes xmlns:a="http://schemas.openxmlformats.org/drawingml/2006/main" xmlns:r="http://schemas.openxmlformats.org/officeDocument/2006/relationships" xmlns:p="http://schemas.openxmlformats.org/presentationml/2006/main" showMasterSp="0" showMasterPhAnim="0">
-  <p:cSld>
-    <p:spTree>
-      <p:nvGrpSpPr>
-        <p:cNvPr id="1" name="Shape 108"/>
-        <p:cNvGrpSpPr/>
-        <p:nvPr/>
-      </p:nvGrpSpPr>
-      <p:grpSpPr>
-        <a:xfrm>
-          <a:off x="0" y="0"/>
-          <a:ext cx="0" cy="0"/>
-          <a:chOff x="0" y="0"/>
-          <a:chExt cx="0" cy="0"/>
-        </a:xfrm>
-      </p:grpSpPr>
-      <p:sp>
-        <p:nvSpPr>
-          <p:cNvPr id="109" name="Google Shape;109;ge09c851785_0_15:notes"/>
-          <p:cNvSpPr>
-            <a:spLocks noGrp="1" noRot="1" noChangeAspect="1"/>
-          </p:cNvSpPr>
-          <p:nvPr>
-            <p:ph type="sldImg" idx="2"/>
-          </p:nvPr>
-        </p:nvSpPr>
-        <p:spPr>
-          <a:xfrm>
-            <a:off x="406400" y="696913"/>
-            <a:ext cx="6199188" cy="3486150"/>
-          </a:xfrm>
-          <a:custGeom>
-            <a:avLst/>
-            <a:gdLst/>
-            <a:ahLst/>
-            <a:cxnLst/>
-            <a:rect l="l" t="t" r="r" b="b"/>
-            <a:pathLst>
-              <a:path w="120000" h="120000" extrusionOk="0">
-                <a:moveTo>
-                  <a:pt x="0" y="0"/>
-                </a:moveTo>
-                <a:lnTo>
-                  <a:pt x="120000" y="0"/>
-                </a:lnTo>
-                <a:lnTo>
-                  <a:pt x="120000" y="120000"/>
-                </a:lnTo>
-                <a:lnTo>
-                  <a:pt x="0" y="120000"/>
-                </a:lnTo>
-                <a:close/>
-              </a:path>
-            </a:pathLst>
-          </a:custGeom>
-        </p:spPr>
-      </p:sp>
-      <p:sp>
-        <p:nvSpPr>
-          <p:cNvPr id="110" name="Google Shape;110;ge09c851785_0_15:notes"/>
           <p:cNvSpPr txBox="1">
             <a:spLocks noGrp="1"/>
           </p:cNvSpPr>
@@ -8210,7 +8112,7 @@
   <p:cSld>
     <p:spTree>
       <p:nvGrpSpPr>
-        <p:cNvPr id="1" name="Shape 58"/>
+        <p:cNvPr id="1" name=""/>
         <p:cNvGrpSpPr/>
         <p:nvPr/>
       </p:nvGrpSpPr>
@@ -8222,10 +8124,45 @@
           <a:chExt cx="0" cy="0"/>
         </a:xfrm>
       </p:grpSpPr>
+      <p:pic>
+        <p:nvPicPr>
+          <p:cNvPr id="14" name="Picture 3" descr="Abstrct graphic of red blue smoke">
+            <a:extLst>
+              <a:ext uri="{FF2B5EF4-FFF2-40B4-BE49-F238E27FC236}">
+                <a16:creationId xmlns:a16="http://schemas.microsoft.com/office/drawing/2014/main" id="{0D6CD7C7-47DE-4D4E-92BF-0D3254B8134D}"/>
+              </a:ext>
+            </a:extLst>
+          </p:cNvPr>
+          <p:cNvPicPr>
+            <a:picLocks noChangeAspect="1"/>
+          </p:cNvPicPr>
+          <p:nvPr/>
+        </p:nvPicPr>
+        <p:blipFill rotWithShape="1">
+          <a:blip r:embed="rId2"/>
+          <a:srcRect t="33506" b="10235"/>
+          <a:stretch/>
+        </p:blipFill>
+        <p:spPr>
+          <a:xfrm>
+            <a:off x="7" y="-839"/>
+            <a:ext cx="9143987" cy="5144339"/>
+          </a:xfrm>
+          <a:prstGeom prst="rect">
+            <a:avLst/>
+          </a:prstGeom>
+        </p:spPr>
+      </p:pic>
       <p:sp>
         <p:nvSpPr>
-          <p:cNvPr id="59" name="Google Shape;59;p13"/>
-          <p:cNvSpPr txBox="1">
+          <p:cNvPr id="2" name="Title 1">
+            <a:extLst>
+              <a:ext uri="{FF2B5EF4-FFF2-40B4-BE49-F238E27FC236}">
+                <a16:creationId xmlns:a16="http://schemas.microsoft.com/office/drawing/2014/main" id="{F4018D43-8A14-4847-B55D-E7A106F84A38}"/>
+              </a:ext>
+            </a:extLst>
+          </p:cNvPr>
+          <p:cNvSpPr>
             <a:spLocks noGrp="1"/>
           </p:cNvSpPr>
           <p:nvPr>
@@ -8234,40 +8171,37 @@
         </p:nvSpPr>
         <p:spPr>
           <a:xfrm>
-            <a:off x="510450" y="1096756"/>
-            <a:ext cx="8123100" cy="1588500"/>
-          </a:xfrm>
-          <a:prstGeom prst="rect">
-            <a:avLst/>
-          </a:prstGeom>
+            <a:off x="1337481" y="557213"/>
+            <a:ext cx="6469039" cy="2293144"/>
+          </a:xfrm>
         </p:spPr>
         <p:txBody>
-          <a:bodyPr spcFirstLastPara="1" wrap="square" lIns="91425" tIns="91425" rIns="91425" bIns="91425" anchor="b" anchorCtr="0">
-            <a:normAutofit fontScale="90000"/>
+          <a:bodyPr>
+            <a:normAutofit/>
           </a:bodyPr>
           <a:lstStyle/>
           <a:p>
-            <a:pPr marL="0" lvl="0" indent="0" algn="l" rtl="0">
-              <a:spcBef>
-                <a:spcPts val="0"/>
-              </a:spcBef>
-              <a:spcAft>
-                <a:spcPts val="0"/>
-              </a:spcAft>
-              <a:buNone/>
-            </a:pPr>
             <a:r>
-              <a:rPr lang="en" dirty="0"/>
-              <a:t>Housing Price Prediction using Machine Learning</a:t>
+              <a:rPr lang="en-US" sz="3000" dirty="0">
+                <a:solidFill>
+                  <a:srgbClr val="FFFFFF"/>
+                </a:solidFill>
+              </a:rPr>
+              <a:t>House Price Prediction</a:t>
             </a:r>
-            <a:endParaRPr dirty="0"/>
           </a:p>
         </p:txBody>
       </p:sp>
       <p:sp>
         <p:nvSpPr>
-          <p:cNvPr id="60" name="Google Shape;60;p13"/>
-          <p:cNvSpPr txBox="1">
+          <p:cNvPr id="3" name="Subtitle 2">
+            <a:extLst>
+              <a:ext uri="{FF2B5EF4-FFF2-40B4-BE49-F238E27FC236}">
+                <a16:creationId xmlns:a16="http://schemas.microsoft.com/office/drawing/2014/main" id="{42A8A967-0A25-46B9-8390-7CE6961B0ACB}"/>
+              </a:ext>
+            </a:extLst>
+          </p:cNvPr>
+          <p:cNvSpPr>
             <a:spLocks noGrp="1"/>
           </p:cNvSpPr>
           <p:nvPr>
@@ -8276,37 +8210,67 @@
         </p:nvSpPr>
         <p:spPr>
           <a:xfrm>
-            <a:off x="510450" y="3182313"/>
-            <a:ext cx="8123100" cy="630000"/>
-          </a:xfrm>
-          <a:prstGeom prst="rect">
-            <a:avLst/>
-          </a:prstGeom>
+            <a:off x="1038153" y="3536157"/>
+            <a:ext cx="5749903" cy="1412362"/>
+          </a:xfrm>
         </p:spPr>
         <p:txBody>
-          <a:bodyPr spcFirstLastPara="1" wrap="square" lIns="91425" tIns="91425" rIns="91425" bIns="91425" anchor="t" anchorCtr="0">
+          <a:bodyPr>
             <a:normAutofit/>
           </a:bodyPr>
           <a:lstStyle/>
           <a:p>
-            <a:pPr marL="0" lvl="0" indent="0" algn="l" rtl="0">
-              <a:spcBef>
-                <a:spcPts val="0"/>
-              </a:spcBef>
-              <a:spcAft>
-                <a:spcPts val="0"/>
-              </a:spcAft>
-              <a:buNone/>
-            </a:pPr>
             <a:r>
-              <a:rPr lang="en"/>
-              <a:t>BY Monish Varghese Joshy</a:t>
+              <a:rPr lang="en-US" dirty="0">
+                <a:solidFill>
+                  <a:srgbClr val="FFFFFF"/>
+                </a:solidFill>
+              </a:rPr>
+              <a:t>Monish Joshy</a:t>
             </a:r>
-            <a:endParaRPr dirty="0"/>
+          </a:p>
+          <a:p>
+            <a:r>
+              <a:rPr lang="en-US" dirty="0">
+                <a:solidFill>
+                  <a:srgbClr val="FFFFFF"/>
+                </a:solidFill>
+              </a:rPr>
+              <a:t>MSDS 692 Data Science practicum 1</a:t>
+            </a:r>
+          </a:p>
+          <a:p>
+            <a:r>
+              <a:rPr lang="en-US" dirty="0">
+                <a:solidFill>
+                  <a:srgbClr val="FFFFFF"/>
+                </a:solidFill>
+              </a:rPr>
+              <a:t>June 27, 2021</a:t>
+            </a:r>
+          </a:p>
+          <a:p>
+            <a:endParaRPr lang="en-US" dirty="0">
+              <a:solidFill>
+                <a:srgbClr val="FFFFFF"/>
+              </a:solidFill>
+            </a:endParaRPr>
+          </a:p>
+          <a:p>
+            <a:endParaRPr lang="en-US" dirty="0">
+              <a:solidFill>
+                <a:srgbClr val="FFFFFF"/>
+              </a:solidFill>
+            </a:endParaRPr>
           </a:p>
         </p:txBody>
       </p:sp>
     </p:spTree>
+    <p:extLst>
+      <p:ext uri="{BB962C8B-B14F-4D97-AF65-F5344CB8AC3E}">
+        <p14:creationId xmlns:p14="http://schemas.microsoft.com/office/powerpoint/2010/main" val="2286113137"/>
+      </p:ext>
+    </p:extLst>
   </p:cSld>
   <p:clrMapOvr>
     <a:masterClrMapping/>
